--- a/Wine Classification Project_KBM_2024.pptx
+++ b/Wine Classification Project_KBM_2024.pptx
@@ -5,7 +5,7 @@
     <p:sldMasterId id="2147483650" r:id="rId4"/>
   </p:sldMasterIdLst>
   <p:notesMasterIdLst>
-    <p:notesMasterId r:id="rId37"/>
+    <p:notesMasterId r:id="rId48"/>
   </p:notesMasterIdLst>
   <p:sldIdLst>
     <p:sldId id="278" r:id="rId5"/>
@@ -36,10 +36,21 @@
     <p:sldId id="318" r:id="rId30"/>
     <p:sldId id="319" r:id="rId31"/>
     <p:sldId id="320" r:id="rId32"/>
-    <p:sldId id="321" r:id="rId33"/>
-    <p:sldId id="314" r:id="rId34"/>
-    <p:sldId id="315" r:id="rId35"/>
-    <p:sldId id="293" r:id="rId36"/>
+    <p:sldId id="322" r:id="rId33"/>
+    <p:sldId id="332" r:id="rId34"/>
+    <p:sldId id="323" r:id="rId35"/>
+    <p:sldId id="324" r:id="rId36"/>
+    <p:sldId id="325" r:id="rId37"/>
+    <p:sldId id="326" r:id="rId38"/>
+    <p:sldId id="331" r:id="rId39"/>
+    <p:sldId id="327" r:id="rId40"/>
+    <p:sldId id="328" r:id="rId41"/>
+    <p:sldId id="321" r:id="rId42"/>
+    <p:sldId id="329" r:id="rId43"/>
+    <p:sldId id="330" r:id="rId44"/>
+    <p:sldId id="314" r:id="rId45"/>
+    <p:sldId id="315" r:id="rId46"/>
+    <p:sldId id="293" r:id="rId47"/>
   </p:sldIdLst>
   <p:sldSz cx="12192000" cy="6858000"/>
   <p:notesSz cx="13716000" cy="24384000"/>
@@ -25009,7 +25020,7 @@
         <p:spPr>
           <a:xfrm>
             <a:off x="1499616" y="232012"/>
-            <a:ext cx="5693664" cy="668740"/>
+            <a:ext cx="5693664" cy="433006"/>
           </a:xfrm>
         </p:spPr>
         <p:txBody>
@@ -25017,7 +25028,7 @@
           <a:lstStyle/>
           <a:p>
             <a:r>
-              <a:rPr lang="en-US" sz="4400" b="1" dirty="0">
+              <a:rPr lang="en-US" sz="2000" b="1" dirty="0">
                 <a:solidFill>
                   <a:schemeClr val="accent6"/>
                 </a:solidFill>
@@ -25027,7 +25038,7 @@
               </a:rPr>
               <a:t>AGENDA</a:t>
             </a:r>
-            <a:endParaRPr lang="en-US" sz="4400" b="1" dirty="0">
+            <a:endParaRPr lang="en-US" sz="2000" b="1" dirty="0">
               <a:solidFill>
                 <a:schemeClr val="accent6"/>
               </a:solidFill>
@@ -25055,8 +25066,8 @@
         </p:nvSpPr>
         <p:spPr>
           <a:xfrm>
-            <a:off x="1499616" y="900752"/>
-            <a:ext cx="5693664" cy="5725236"/>
+            <a:off x="1499616" y="571500"/>
+            <a:ext cx="5693664" cy="6054488"/>
           </a:xfrm>
         </p:spPr>
         <p:txBody>
@@ -25114,6 +25125,12 @@
             <a:r>
               <a:rPr lang="en-US" sz="2000" dirty="0"/>
               <a:t>Visualization (Optional)</a:t>
+            </a:r>
+          </a:p>
+          <a:p>
+            <a:r>
+              <a:rPr lang="en-US" sz="2000" dirty="0"/>
+              <a:t>Exploratory data analysis</a:t>
             </a:r>
           </a:p>
           <a:p>
@@ -26528,7 +26545,7 @@
           <p:cNvPr id="2" name="Title 1">
             <a:extLst>
               <a:ext uri="{FF2B5EF4-FFF2-40B4-BE49-F238E27FC236}">
-                <a16:creationId xmlns:a16="http://schemas.microsoft.com/office/drawing/2014/main" id="{786A4ABB-B2C2-69E6-7F02-9062E9428509}"/>
+                <a16:creationId xmlns:a16="http://schemas.microsoft.com/office/drawing/2014/main" id="{F136EE4C-E16F-7EFE-ABA7-D132D048C876}"/>
               </a:ext>
             </a:extLst>
           </p:cNvPr>
@@ -26545,16 +26562,10 @@
           <a:lstStyle/>
           <a:p>
             <a:r>
-              <a:rPr lang="en-GB" sz="2400" dirty="0">
-                <a:latin typeface="Times New Roman" panose="02020603050405020304" pitchFamily="18" charset="0"/>
-                <a:cs typeface="Times New Roman" panose="02020603050405020304" pitchFamily="18" charset="0"/>
-              </a:rPr>
-              <a:t>New instances vs the real wine dataset</a:t>
-            </a:r>
-            <a:endParaRPr lang="en-SL" sz="2400" dirty="0">
-              <a:latin typeface="Times New Roman" panose="02020603050405020304" pitchFamily="18" charset="0"/>
-              <a:cs typeface="Times New Roman" panose="02020603050405020304" pitchFamily="18" charset="0"/>
-            </a:endParaRPr>
+              <a:rPr lang="en-GB" sz="2400" dirty="0"/>
+              <a:t>Exploratory Data Analysis of the wine classification project</a:t>
+            </a:r>
+            <a:endParaRPr lang="en-SL" sz="2400" dirty="0"/>
           </a:p>
         </p:txBody>
       </p:sp>
@@ -26563,7 +26574,7 @@
           <p:cNvPr id="3" name="Content Placeholder 2">
             <a:extLst>
               <a:ext uri="{FF2B5EF4-FFF2-40B4-BE49-F238E27FC236}">
-                <a16:creationId xmlns:a16="http://schemas.microsoft.com/office/drawing/2014/main" id="{EB4442F3-41BF-401C-5A9B-203CA078A621}"/>
+                <a16:creationId xmlns:a16="http://schemas.microsoft.com/office/drawing/2014/main" id="{BD983919-D9BF-E67A-665F-D0E330F55FCC}"/>
               </a:ext>
             </a:extLst>
           </p:cNvPr>
@@ -26581,17 +26592,18 @@
           <a:p>
             <a:pPr algn="just"/>
             <a:r>
-              <a:rPr lang="en-GB" sz="2000" dirty="0">
-                <a:latin typeface="Times New Roman" panose="02020603050405020304" pitchFamily="18" charset="0"/>
-                <a:cs typeface="Times New Roman" panose="02020603050405020304" pitchFamily="18" charset="0"/>
-              </a:rPr>
-              <a:t>The new instances introduced for prediction possess chemical properties akin to those in the original dataset. However, they represent hypothetical scenarios and lack real-world validation. In contrast, the original dataset's visualization depicted empirical data, showcasing actual wine samples with established class labels. While the visualization of the project displayed the distribution of features and class labels, the new instances' visualization solely focuses on the predicted outcomes. Additionally, the original dataset's visualization provided insights into the dataset's structure, feature importance, and decision boundaries, aiding in model interpretation. Conversely, the visualization of the new instances highlights the models' predictive capabilities but lacks the context provided by the original dataset. Despite these differences, both visualizations serve essential roles in understanding the models' performance and their ability to classify wine samples accurately</a:t>
-            </a:r>
-            <a:r>
-              <a:rPr lang="en-GB" dirty="0"/>
-              <a:t>.</a:t>
-            </a:r>
-            <a:endParaRPr lang="en-SL" dirty="0"/>
+              <a:rPr lang="en-GB" sz="2400" dirty="0"/>
+              <a:t>Exploratory data analysis (EDA) for the wine classification project involves understanding the dataset's characteristics and relationships between features. Summary statistics provide insights into feature distributions, while visualizations like Pair plots and boxplots help identify patterns and variations across classes. The correlation heatmap reveals feature interactions, guiding feature selection and preprocessing decisions. EDA aids in understanding the dataset's structure, informing model selection and optimization strategies. Overall, EDA facilitates insights into the dataset's properties, enhancing the </a:t>
+            </a:r>
+            <a:r>
+              <a:rPr lang="en-GB" sz="2400" dirty="0" err="1"/>
+              <a:t>Modeling</a:t>
+            </a:r>
+            <a:r>
+              <a:rPr lang="en-GB" sz="2400" dirty="0"/>
+              <a:t> process and ensuring robust classification performance.</a:t>
+            </a:r>
+            <a:endParaRPr lang="en-SL" sz="2400" dirty="0"/>
           </a:p>
         </p:txBody>
       </p:sp>
@@ -26600,7 +26612,7 @@
           <p:cNvPr id="4" name="Footer Placeholder 3">
             <a:extLst>
               <a:ext uri="{FF2B5EF4-FFF2-40B4-BE49-F238E27FC236}">
-                <a16:creationId xmlns:a16="http://schemas.microsoft.com/office/drawing/2014/main" id="{64F4BF20-602A-E3CD-828A-B37ED0020F4A}"/>
+                <a16:creationId xmlns:a16="http://schemas.microsoft.com/office/drawing/2014/main" id="{6028C6D9-D030-F75C-5DDB-37BECD103EBD}"/>
               </a:ext>
             </a:extLst>
           </p:cNvPr>
@@ -26629,7 +26641,7 @@
           <p:cNvPr id="5" name="Slide Number Placeholder 4">
             <a:extLst>
               <a:ext uri="{FF2B5EF4-FFF2-40B4-BE49-F238E27FC236}">
-                <a16:creationId xmlns:a16="http://schemas.microsoft.com/office/drawing/2014/main" id="{E7BAECFC-E2F9-CF07-C084-E893B72740FC}"/>
+                <a16:creationId xmlns:a16="http://schemas.microsoft.com/office/drawing/2014/main" id="{0F2711D1-03EA-3C58-BED2-27A97D382A52}"/>
               </a:ext>
             </a:extLst>
           </p:cNvPr>
@@ -26656,7 +26668,7 @@
     </p:spTree>
     <p:extLst>
       <p:ext uri="{BB962C8B-B14F-4D97-AF65-F5344CB8AC3E}">
-        <p14:creationId xmlns:p14="http://schemas.microsoft.com/office/powerpoint/2010/main" val="2664900422"/>
+        <p14:creationId xmlns:p14="http://schemas.microsoft.com/office/powerpoint/2010/main" val="3751604198"/>
       </p:ext>
     </p:extLst>
   </p:cSld>
@@ -26841,7 +26853,7 @@
           <p:cNvPr id="2" name="Title 1">
             <a:extLst>
               <a:ext uri="{FF2B5EF4-FFF2-40B4-BE49-F238E27FC236}">
-                <a16:creationId xmlns:a16="http://schemas.microsoft.com/office/drawing/2014/main" id="{8C2C414A-FA3B-40A4-507D-8443A4AE049A}"/>
+                <a16:creationId xmlns:a16="http://schemas.microsoft.com/office/drawing/2014/main" id="{2266FDDA-ABE3-4FA9-4034-403352A0C82C}"/>
               </a:ext>
             </a:extLst>
           </p:cNvPr>
@@ -26849,32 +26861,28 @@
             <a:spLocks noGrp="1"/>
           </p:cNvSpPr>
           <p:nvPr>
-            <p:ph type="ctrTitle"/>
-          </p:nvPr>
-        </p:nvSpPr>
-        <p:spPr>
-          <a:xfrm>
-            <a:off x="1527048" y="128337"/>
-            <a:ext cx="4169664" cy="753979"/>
-          </a:xfrm>
-        </p:spPr>
+            <p:ph type="title"/>
+          </p:nvPr>
+        </p:nvSpPr>
+        <p:spPr/>
         <p:txBody>
           <a:bodyPr/>
           <a:lstStyle/>
           <a:p>
             <a:r>
-              <a:rPr lang="en-US" sz="3200" dirty="0"/>
-              <a:t>Conclusion</a:t>
-            </a:r>
-          </a:p>
-        </p:txBody>
-      </p:sp>
-      <p:sp>
-        <p:nvSpPr>
-          <p:cNvPr id="3" name="Subtitle 2">
-            <a:extLst>
-              <a:ext uri="{FF2B5EF4-FFF2-40B4-BE49-F238E27FC236}">
-                <a16:creationId xmlns:a16="http://schemas.microsoft.com/office/drawing/2014/main" id="{A16D355B-07C2-96AE-2E0D-F20C01CD0D18}"/>
+              <a:rPr lang="en-GB" sz="2400" dirty="0"/>
+              <a:t>Summary Statistics</a:t>
+            </a:r>
+            <a:endParaRPr lang="en-SL" sz="2400" dirty="0"/>
+          </a:p>
+        </p:txBody>
+      </p:sp>
+      <p:sp>
+        <p:nvSpPr>
+          <p:cNvPr id="3" name="Content Placeholder 2">
+            <a:extLst>
+              <a:ext uri="{FF2B5EF4-FFF2-40B4-BE49-F238E27FC236}">
+                <a16:creationId xmlns:a16="http://schemas.microsoft.com/office/drawing/2014/main" id="{1B661E91-A047-9131-2A09-71E2D9C7443D}"/>
               </a:ext>
             </a:extLst>
           </p:cNvPr>
@@ -26882,23 +26890,169 @@
             <a:spLocks noGrp="1"/>
           </p:cNvSpPr>
           <p:nvPr>
-            <p:ph type="subTitle" idx="1"/>
-          </p:nvPr>
+            <p:ph sz="half" idx="1"/>
+          </p:nvPr>
+        </p:nvSpPr>
+        <p:spPr/>
+        <p:txBody>
+          <a:bodyPr/>
+          <a:lstStyle/>
+          <a:p>
+            <a:endParaRPr lang="en-SL"/>
+          </a:p>
+        </p:txBody>
+      </p:sp>
+      <p:sp>
+        <p:nvSpPr>
+          <p:cNvPr id="4" name="Footer Placeholder 3">
+            <a:extLst>
+              <a:ext uri="{FF2B5EF4-FFF2-40B4-BE49-F238E27FC236}">
+                <a16:creationId xmlns:a16="http://schemas.microsoft.com/office/drawing/2014/main" id="{BBC87D59-3B8C-F6EF-64BF-716DA90CB344}"/>
+              </a:ext>
+            </a:extLst>
+          </p:cNvPr>
+          <p:cNvSpPr>
+            <a:spLocks noGrp="1"/>
+          </p:cNvSpPr>
+          <p:nvPr>
+            <p:ph type="ftr" sz="quarter" idx="11"/>
+          </p:nvPr>
+        </p:nvSpPr>
+        <p:spPr/>
+        <p:txBody>
+          <a:bodyPr/>
+          <a:lstStyle/>
+          <a:p>
+            <a:r>
+              <a:rPr lang="en-US"/>
+              <a:t>Presentation title</a:t>
+            </a:r>
+            <a:endParaRPr lang="en-US" dirty="0"/>
+          </a:p>
+        </p:txBody>
+      </p:sp>
+      <p:sp>
+        <p:nvSpPr>
+          <p:cNvPr id="5" name="Slide Number Placeholder 4">
+            <a:extLst>
+              <a:ext uri="{FF2B5EF4-FFF2-40B4-BE49-F238E27FC236}">
+                <a16:creationId xmlns:a16="http://schemas.microsoft.com/office/drawing/2014/main" id="{801A74C4-B40F-68E9-00C4-39DBBF91E3F3}"/>
+              </a:ext>
+            </a:extLst>
+          </p:cNvPr>
+          <p:cNvSpPr>
+            <a:spLocks noGrp="1"/>
+          </p:cNvSpPr>
+          <p:nvPr>
+            <p:ph type="sldNum" sz="quarter" idx="12"/>
+          </p:nvPr>
+        </p:nvSpPr>
+        <p:spPr/>
+        <p:txBody>
+          <a:bodyPr/>
+          <a:lstStyle/>
+          <a:p>
+            <a:fld id="{48F63A3B-78C7-47BE-AE5E-E10140E04643}" type="slidenum">
+              <a:rPr lang="en-US" smtClean="0"/>
+              <a:t>30</a:t>
+            </a:fld>
+            <a:endParaRPr lang="en-US" dirty="0"/>
+          </a:p>
+        </p:txBody>
+      </p:sp>
+      <p:sp>
+        <p:nvSpPr>
+          <p:cNvPr id="7" name="TextBox 6">
+            <a:extLst>
+              <a:ext uri="{FF2B5EF4-FFF2-40B4-BE49-F238E27FC236}">
+                <a16:creationId xmlns:a16="http://schemas.microsoft.com/office/drawing/2014/main" id="{458E1127-25CD-CEB8-72B3-30DFBE48342F}"/>
+              </a:ext>
+            </a:extLst>
+          </p:cNvPr>
+          <p:cNvSpPr txBox="1"/>
+          <p:nvPr/>
         </p:nvSpPr>
         <p:spPr>
           <a:xfrm>
-            <a:off x="497305" y="882315"/>
-            <a:ext cx="6914147" cy="5847347"/>
+            <a:off x="758953" y="1997839"/>
+            <a:ext cx="10099548" cy="3785652"/>
           </a:xfrm>
+          <a:prstGeom prst="rect">
+            <a:avLst/>
+          </a:prstGeom>
+          <a:noFill/>
         </p:spPr>
         <p:txBody>
-          <a:bodyPr/>
+          <a:bodyPr wrap="square">
+            <a:spAutoFit/>
+          </a:bodyPr>
           <a:lstStyle/>
           <a:p>
-            <a:pPr algn="just"/>
-            <a:r>
-              <a:rPr lang="en-US" sz="2000" dirty="0"/>
-              <a:t>In conclusion, our wine classification project has provided valuable insights into the effectiveness of different classification algorithms – logistic regression, decision trees, have gained a comprehensive understanding of each model's strengths and limitations. While logistic regression offers simplicity and interpretability, decision trees excel in providing insights into feature importance and decision-making processes. On the other hand, SVMs demonstrate robust classification capabilities in high-dimensional feature spaces. Comparative analysis of evaluation metrics, including accuracy, precision, recall, and F1 score, has enabled us to make informed decisions regarding model selection and performance. Overall, this project underscores the importance of employing diverse machine learning techniques and thorough evaluation methodologies to address complex classification tasks effectively. Future work may involve exploring ensemble methods and advanced techniques to further improve the accuracy and robustness of wine classification models.</a:t>
+            <a:r>
+              <a:rPr lang="en-SL" sz="2400" dirty="0"/>
+              <a:t>Summary Statistics:</a:t>
+            </a:r>
+          </a:p>
+          <a:p>
+            <a:r>
+              <a:rPr lang="en-SL" sz="2400" dirty="0"/>
+              <a:t>          alcohol  </a:t>
+            </a:r>
+            <a:r>
+              <a:rPr lang="en-SL" sz="2400" dirty="0" err="1"/>
+              <a:t>malic_acid</a:t>
+            </a:r>
+            <a:r>
+              <a:rPr lang="en-SL" sz="2400" dirty="0"/>
+              <a:t>  ...      proline      target</a:t>
+            </a:r>
+          </a:p>
+          <a:p>
+            <a:r>
+              <a:rPr lang="en-SL" sz="2400" dirty="0"/>
+              <a:t>count  178.000000  178.000000  ...   178.000000  178.000000</a:t>
+            </a:r>
+          </a:p>
+          <a:p>
+            <a:r>
+              <a:rPr lang="en-SL" sz="2400" dirty="0"/>
+              <a:t>mean    13.000618    2.336348  ...   746.893258    0.938202</a:t>
+            </a:r>
+          </a:p>
+          <a:p>
+            <a:r>
+              <a:rPr lang="en-SL" sz="2400" dirty="0"/>
+              <a:t>std      0.811827    1.117146  ...   314.907474    0.775035</a:t>
+            </a:r>
+          </a:p>
+          <a:p>
+            <a:r>
+              <a:rPr lang="en-SL" sz="2400" dirty="0"/>
+              <a:t>min     11.030000    0.740000  ...   278.000000    0.000000</a:t>
+            </a:r>
+          </a:p>
+          <a:p>
+            <a:r>
+              <a:rPr lang="en-SL" sz="2400" dirty="0"/>
+              <a:t>25%     12.362500    1.602500  ...   500.500000    0.000000</a:t>
+            </a:r>
+          </a:p>
+          <a:p>
+            <a:r>
+              <a:rPr lang="en-SL" sz="2400" dirty="0"/>
+              <a:t>50%     13.050000    1.865000  ...   673.500000    1.000000</a:t>
+            </a:r>
+          </a:p>
+          <a:p>
+            <a:r>
+              <a:rPr lang="en-SL" sz="2400" dirty="0"/>
+              <a:t>75%     13.677500    3.082500  ...   985.000000    2.000000</a:t>
+            </a:r>
+          </a:p>
+          <a:p>
+            <a:r>
+              <a:rPr lang="en-SL" sz="2400" dirty="0"/>
+              <a:t>max     14.830000    5.800000  ...  1680.000000    2.000000</a:t>
             </a:r>
           </a:p>
         </p:txBody>
@@ -26906,7 +27060,7 @@
     </p:spTree>
     <p:extLst>
       <p:ext uri="{BB962C8B-B14F-4D97-AF65-F5344CB8AC3E}">
-        <p14:creationId xmlns:p14="http://schemas.microsoft.com/office/powerpoint/2010/main" val="2709326988"/>
+        <p14:creationId xmlns:p14="http://schemas.microsoft.com/office/powerpoint/2010/main" val="2422578799"/>
       </p:ext>
     </p:extLst>
   </p:cSld>
@@ -26938,6 +27092,1852 @@
           <p:cNvPr id="2" name="Title 1">
             <a:extLst>
               <a:ext uri="{FF2B5EF4-FFF2-40B4-BE49-F238E27FC236}">
+                <a16:creationId xmlns:a16="http://schemas.microsoft.com/office/drawing/2014/main" id="{889B4883-B15A-6234-6023-3F0A079D98BF}"/>
+              </a:ext>
+            </a:extLst>
+          </p:cNvPr>
+          <p:cNvSpPr>
+            <a:spLocks noGrp="1"/>
+          </p:cNvSpPr>
+          <p:nvPr>
+            <p:ph type="title"/>
+          </p:nvPr>
+        </p:nvSpPr>
+        <p:spPr/>
+        <p:txBody>
+          <a:bodyPr/>
+          <a:lstStyle/>
+          <a:p>
+            <a:r>
+              <a:rPr lang="en-GB" sz="2400" dirty="0"/>
+              <a:t>Diagram of exploratory data analysis of the wine classification</a:t>
+            </a:r>
+            <a:endParaRPr lang="en-SL" sz="2400" dirty="0"/>
+          </a:p>
+        </p:txBody>
+      </p:sp>
+      <p:pic>
+        <p:nvPicPr>
+          <p:cNvPr id="7" name="Content Placeholder 6" descr="A screenshot of a computer generated image">
+            <a:extLst>
+              <a:ext uri="{FF2B5EF4-FFF2-40B4-BE49-F238E27FC236}">
+                <a16:creationId xmlns:a16="http://schemas.microsoft.com/office/drawing/2014/main" id="{9B272CF4-C4A3-3B61-2A71-46889033362B}"/>
+              </a:ext>
+            </a:extLst>
+          </p:cNvPr>
+          <p:cNvPicPr>
+            <a:picLocks noGrp="1" noChangeAspect="1"/>
+          </p:cNvPicPr>
+          <p:nvPr>
+            <p:ph sz="half" idx="1"/>
+          </p:nvPr>
+        </p:nvPicPr>
+        <p:blipFill>
+          <a:blip r:embed="rId2"/>
+          <a:stretch>
+            <a:fillRect/>
+          </a:stretch>
+        </p:blipFill>
+        <p:spPr>
+          <a:xfrm>
+            <a:off x="621793" y="2103438"/>
+            <a:ext cx="11213452" cy="4433887"/>
+          </a:xfrm>
+        </p:spPr>
+      </p:pic>
+      <p:sp>
+        <p:nvSpPr>
+          <p:cNvPr id="4" name="Footer Placeholder 3">
+            <a:extLst>
+              <a:ext uri="{FF2B5EF4-FFF2-40B4-BE49-F238E27FC236}">
+                <a16:creationId xmlns:a16="http://schemas.microsoft.com/office/drawing/2014/main" id="{C3D18AC5-CF53-F380-CE52-265022FBD162}"/>
+              </a:ext>
+            </a:extLst>
+          </p:cNvPr>
+          <p:cNvSpPr>
+            <a:spLocks noGrp="1"/>
+          </p:cNvSpPr>
+          <p:nvPr>
+            <p:ph type="ftr" sz="quarter" idx="11"/>
+          </p:nvPr>
+        </p:nvSpPr>
+        <p:spPr/>
+        <p:txBody>
+          <a:bodyPr/>
+          <a:lstStyle/>
+          <a:p>
+            <a:r>
+              <a:rPr lang="en-US"/>
+              <a:t>Presentation title</a:t>
+            </a:r>
+            <a:endParaRPr lang="en-US" dirty="0"/>
+          </a:p>
+        </p:txBody>
+      </p:sp>
+      <p:sp>
+        <p:nvSpPr>
+          <p:cNvPr id="5" name="Slide Number Placeholder 4">
+            <a:extLst>
+              <a:ext uri="{FF2B5EF4-FFF2-40B4-BE49-F238E27FC236}">
+                <a16:creationId xmlns:a16="http://schemas.microsoft.com/office/drawing/2014/main" id="{80162061-E596-189B-9CCB-2297098B3415}"/>
+              </a:ext>
+            </a:extLst>
+          </p:cNvPr>
+          <p:cNvSpPr>
+            <a:spLocks noGrp="1"/>
+          </p:cNvSpPr>
+          <p:nvPr>
+            <p:ph type="sldNum" sz="quarter" idx="12"/>
+          </p:nvPr>
+        </p:nvSpPr>
+        <p:spPr/>
+        <p:txBody>
+          <a:bodyPr/>
+          <a:lstStyle/>
+          <a:p>
+            <a:fld id="{48F63A3B-78C7-47BE-AE5E-E10140E04643}" type="slidenum">
+              <a:rPr lang="en-US" smtClean="0"/>
+              <a:t>31</a:t>
+            </a:fld>
+            <a:endParaRPr lang="en-US" dirty="0"/>
+          </a:p>
+        </p:txBody>
+      </p:sp>
+    </p:spTree>
+    <p:extLst>
+      <p:ext uri="{BB962C8B-B14F-4D97-AF65-F5344CB8AC3E}">
+        <p14:creationId xmlns:p14="http://schemas.microsoft.com/office/powerpoint/2010/main" val="504343029"/>
+      </p:ext>
+    </p:extLst>
+  </p:cSld>
+  <p:clrMapOvr>
+    <a:masterClrMapping/>
+  </p:clrMapOvr>
+</p:sld>
+</file>
+
+<file path=ppt/slides/slide32.xml><?xml version="1.0" encoding="utf-8"?>
+<p:sld xmlns:a="http://schemas.openxmlformats.org/drawingml/2006/main" xmlns:r="http://schemas.openxmlformats.org/officeDocument/2006/relationships" xmlns:p="http://schemas.openxmlformats.org/presentationml/2006/main">
+  <p:cSld>
+    <p:spTree>
+      <p:nvGrpSpPr>
+        <p:cNvPr id="1" name=""/>
+        <p:cNvGrpSpPr/>
+        <p:nvPr/>
+      </p:nvGrpSpPr>
+      <p:grpSpPr>
+        <a:xfrm>
+          <a:off x="0" y="0"/>
+          <a:ext cx="0" cy="0"/>
+          <a:chOff x="0" y="0"/>
+          <a:chExt cx="0" cy="0"/>
+        </a:xfrm>
+      </p:grpSpPr>
+      <p:sp>
+        <p:nvSpPr>
+          <p:cNvPr id="2" name="Title 1">
+            <a:extLst>
+              <a:ext uri="{FF2B5EF4-FFF2-40B4-BE49-F238E27FC236}">
+                <a16:creationId xmlns:a16="http://schemas.microsoft.com/office/drawing/2014/main" id="{23EE0B3D-E2A9-70F3-ED23-4E9D6F8285A7}"/>
+              </a:ext>
+            </a:extLst>
+          </p:cNvPr>
+          <p:cNvSpPr>
+            <a:spLocks noGrp="1"/>
+          </p:cNvSpPr>
+          <p:nvPr>
+            <p:ph type="title"/>
+          </p:nvPr>
+        </p:nvSpPr>
+        <p:spPr>
+          <a:xfrm>
+            <a:off x="758952" y="914400"/>
+            <a:ext cx="10671048" cy="737755"/>
+          </a:xfrm>
+        </p:spPr>
+        <p:txBody>
+          <a:bodyPr/>
+          <a:lstStyle/>
+          <a:p>
+            <a:r>
+              <a:rPr lang="en-GB" sz="2000" dirty="0"/>
+              <a:t>Correlation Heat map of wine datasets</a:t>
+            </a:r>
+            <a:endParaRPr lang="en-SL" sz="2000" dirty="0"/>
+          </a:p>
+        </p:txBody>
+      </p:sp>
+      <p:pic>
+        <p:nvPicPr>
+          <p:cNvPr id="7" name="Content Placeholder 6" descr="A screenshot of a graph&#10;&#10;Description automatically generated">
+            <a:extLst>
+              <a:ext uri="{FF2B5EF4-FFF2-40B4-BE49-F238E27FC236}">
+                <a16:creationId xmlns:a16="http://schemas.microsoft.com/office/drawing/2014/main" id="{78B55D42-6B41-7CFD-FF75-2925C7EB7009}"/>
+              </a:ext>
+            </a:extLst>
+          </p:cNvPr>
+          <p:cNvPicPr>
+            <a:picLocks noGrp="1" noChangeAspect="1"/>
+          </p:cNvPicPr>
+          <p:nvPr>
+            <p:ph sz="half" idx="1"/>
+          </p:nvPr>
+        </p:nvPicPr>
+        <p:blipFill>
+          <a:blip r:embed="rId2"/>
+          <a:stretch>
+            <a:fillRect/>
+          </a:stretch>
+        </p:blipFill>
+        <p:spPr>
+          <a:xfrm>
+            <a:off x="621792" y="1835036"/>
+            <a:ext cx="11119935" cy="4702290"/>
+          </a:xfrm>
+        </p:spPr>
+      </p:pic>
+      <p:sp>
+        <p:nvSpPr>
+          <p:cNvPr id="4" name="Footer Placeholder 3">
+            <a:extLst>
+              <a:ext uri="{FF2B5EF4-FFF2-40B4-BE49-F238E27FC236}">
+                <a16:creationId xmlns:a16="http://schemas.microsoft.com/office/drawing/2014/main" id="{2F1BA26F-4990-FB7A-B764-28918F809CA2}"/>
+              </a:ext>
+            </a:extLst>
+          </p:cNvPr>
+          <p:cNvSpPr>
+            <a:spLocks noGrp="1"/>
+          </p:cNvSpPr>
+          <p:nvPr>
+            <p:ph type="ftr" sz="quarter" idx="11"/>
+          </p:nvPr>
+        </p:nvSpPr>
+        <p:spPr/>
+        <p:txBody>
+          <a:bodyPr/>
+          <a:lstStyle/>
+          <a:p>
+            <a:r>
+              <a:rPr lang="en-US"/>
+              <a:t>Presentation title</a:t>
+            </a:r>
+            <a:endParaRPr lang="en-US" dirty="0"/>
+          </a:p>
+        </p:txBody>
+      </p:sp>
+      <p:sp>
+        <p:nvSpPr>
+          <p:cNvPr id="5" name="Slide Number Placeholder 4">
+            <a:extLst>
+              <a:ext uri="{FF2B5EF4-FFF2-40B4-BE49-F238E27FC236}">
+                <a16:creationId xmlns:a16="http://schemas.microsoft.com/office/drawing/2014/main" id="{FBC8B4BB-DE9F-2C0A-77E6-11B704ED372C}"/>
+              </a:ext>
+            </a:extLst>
+          </p:cNvPr>
+          <p:cNvSpPr>
+            <a:spLocks noGrp="1"/>
+          </p:cNvSpPr>
+          <p:nvPr>
+            <p:ph type="sldNum" sz="quarter" idx="12"/>
+          </p:nvPr>
+        </p:nvSpPr>
+        <p:spPr/>
+        <p:txBody>
+          <a:bodyPr/>
+          <a:lstStyle/>
+          <a:p>
+            <a:fld id="{48F63A3B-78C7-47BE-AE5E-E10140E04643}" type="slidenum">
+              <a:rPr lang="en-US" smtClean="0"/>
+              <a:t>32</a:t>
+            </a:fld>
+            <a:endParaRPr lang="en-US" dirty="0"/>
+          </a:p>
+        </p:txBody>
+      </p:sp>
+    </p:spTree>
+    <p:extLst>
+      <p:ext uri="{BB962C8B-B14F-4D97-AF65-F5344CB8AC3E}">
+        <p14:creationId xmlns:p14="http://schemas.microsoft.com/office/powerpoint/2010/main" val="891166608"/>
+      </p:ext>
+    </p:extLst>
+  </p:cSld>
+  <p:clrMapOvr>
+    <a:masterClrMapping/>
+  </p:clrMapOvr>
+</p:sld>
+</file>
+
+<file path=ppt/slides/slide33.xml><?xml version="1.0" encoding="utf-8"?>
+<p:sld xmlns:a="http://schemas.openxmlformats.org/drawingml/2006/main" xmlns:r="http://schemas.openxmlformats.org/officeDocument/2006/relationships" xmlns:p="http://schemas.openxmlformats.org/presentationml/2006/main">
+  <p:cSld>
+    <p:spTree>
+      <p:nvGrpSpPr>
+        <p:cNvPr id="1" name=""/>
+        <p:cNvGrpSpPr/>
+        <p:nvPr/>
+      </p:nvGrpSpPr>
+      <p:grpSpPr>
+        <a:xfrm>
+          <a:off x="0" y="0"/>
+          <a:ext cx="0" cy="0"/>
+          <a:chOff x="0" y="0"/>
+          <a:chExt cx="0" cy="0"/>
+        </a:xfrm>
+      </p:grpSpPr>
+      <p:sp>
+        <p:nvSpPr>
+          <p:cNvPr id="2" name="Title 1">
+            <a:extLst>
+              <a:ext uri="{FF2B5EF4-FFF2-40B4-BE49-F238E27FC236}">
+                <a16:creationId xmlns:a16="http://schemas.microsoft.com/office/drawing/2014/main" id="{3E0B7460-B3B2-5952-4782-3C87107BBF21}"/>
+              </a:ext>
+            </a:extLst>
+          </p:cNvPr>
+          <p:cNvSpPr>
+            <a:spLocks noGrp="1"/>
+          </p:cNvSpPr>
+          <p:nvPr>
+            <p:ph type="title"/>
+          </p:nvPr>
+        </p:nvSpPr>
+        <p:spPr/>
+        <p:txBody>
+          <a:bodyPr/>
+          <a:lstStyle/>
+          <a:p>
+            <a:r>
+              <a:rPr lang="en-GB" sz="2400" dirty="0"/>
+              <a:t>Features vs class</a:t>
+            </a:r>
+            <a:endParaRPr lang="en-SL" sz="2400" dirty="0"/>
+          </a:p>
+        </p:txBody>
+      </p:sp>
+      <p:pic>
+        <p:nvPicPr>
+          <p:cNvPr id="7" name="Content Placeholder 6" descr="A group of diagrams with text&#10;&#10;Description automatically generated with medium confidence">
+            <a:extLst>
+              <a:ext uri="{FF2B5EF4-FFF2-40B4-BE49-F238E27FC236}">
+                <a16:creationId xmlns:a16="http://schemas.microsoft.com/office/drawing/2014/main" id="{CC28EC94-7A3A-C429-4C54-A4C427A1990E}"/>
+              </a:ext>
+            </a:extLst>
+          </p:cNvPr>
+          <p:cNvPicPr>
+            <a:picLocks noGrp="1" noChangeAspect="1"/>
+          </p:cNvPicPr>
+          <p:nvPr>
+            <p:ph sz="half" idx="1"/>
+          </p:nvPr>
+        </p:nvPicPr>
+        <p:blipFill>
+          <a:blip r:embed="rId2"/>
+          <a:stretch>
+            <a:fillRect/>
+          </a:stretch>
+        </p:blipFill>
+        <p:spPr>
+          <a:xfrm>
+            <a:off x="758953" y="2103438"/>
+            <a:ext cx="10671048" cy="4433887"/>
+          </a:xfrm>
+        </p:spPr>
+      </p:pic>
+      <p:sp>
+        <p:nvSpPr>
+          <p:cNvPr id="4" name="Footer Placeholder 3">
+            <a:extLst>
+              <a:ext uri="{FF2B5EF4-FFF2-40B4-BE49-F238E27FC236}">
+                <a16:creationId xmlns:a16="http://schemas.microsoft.com/office/drawing/2014/main" id="{AE346840-5778-3F4A-FDDB-71973047B820}"/>
+              </a:ext>
+            </a:extLst>
+          </p:cNvPr>
+          <p:cNvSpPr>
+            <a:spLocks noGrp="1"/>
+          </p:cNvSpPr>
+          <p:nvPr>
+            <p:ph type="ftr" sz="quarter" idx="11"/>
+          </p:nvPr>
+        </p:nvSpPr>
+        <p:spPr/>
+        <p:txBody>
+          <a:bodyPr/>
+          <a:lstStyle/>
+          <a:p>
+            <a:r>
+              <a:rPr lang="en-US"/>
+              <a:t>Presentation title</a:t>
+            </a:r>
+            <a:endParaRPr lang="en-US" dirty="0"/>
+          </a:p>
+        </p:txBody>
+      </p:sp>
+      <p:sp>
+        <p:nvSpPr>
+          <p:cNvPr id="5" name="Slide Number Placeholder 4">
+            <a:extLst>
+              <a:ext uri="{FF2B5EF4-FFF2-40B4-BE49-F238E27FC236}">
+                <a16:creationId xmlns:a16="http://schemas.microsoft.com/office/drawing/2014/main" id="{16A54501-C66B-6D8C-DDC0-9F4D700D2A03}"/>
+              </a:ext>
+            </a:extLst>
+          </p:cNvPr>
+          <p:cNvSpPr>
+            <a:spLocks noGrp="1"/>
+          </p:cNvSpPr>
+          <p:nvPr>
+            <p:ph type="sldNum" sz="quarter" idx="12"/>
+          </p:nvPr>
+        </p:nvSpPr>
+        <p:spPr/>
+        <p:txBody>
+          <a:bodyPr/>
+          <a:lstStyle/>
+          <a:p>
+            <a:fld id="{48F63A3B-78C7-47BE-AE5E-E10140E04643}" type="slidenum">
+              <a:rPr lang="en-US" smtClean="0"/>
+              <a:t>33</a:t>
+            </a:fld>
+            <a:endParaRPr lang="en-US" dirty="0"/>
+          </a:p>
+        </p:txBody>
+      </p:sp>
+    </p:spTree>
+    <p:extLst>
+      <p:ext uri="{BB962C8B-B14F-4D97-AF65-F5344CB8AC3E}">
+        <p14:creationId xmlns:p14="http://schemas.microsoft.com/office/powerpoint/2010/main" val="907215254"/>
+      </p:ext>
+    </p:extLst>
+  </p:cSld>
+  <p:clrMapOvr>
+    <a:masterClrMapping/>
+  </p:clrMapOvr>
+</p:sld>
+</file>
+
+<file path=ppt/slides/slide34.xml><?xml version="1.0" encoding="utf-8"?>
+<p:sld xmlns:a="http://schemas.openxmlformats.org/drawingml/2006/main" xmlns:r="http://schemas.openxmlformats.org/officeDocument/2006/relationships" xmlns:p="http://schemas.openxmlformats.org/presentationml/2006/main">
+  <p:cSld>
+    <p:spTree>
+      <p:nvGrpSpPr>
+        <p:cNvPr id="1" name=""/>
+        <p:cNvGrpSpPr/>
+        <p:nvPr/>
+      </p:nvGrpSpPr>
+      <p:grpSpPr>
+        <a:xfrm>
+          <a:off x="0" y="0"/>
+          <a:ext cx="0" cy="0"/>
+          <a:chOff x="0" y="0"/>
+          <a:chExt cx="0" cy="0"/>
+        </a:xfrm>
+      </p:grpSpPr>
+      <p:sp>
+        <p:nvSpPr>
+          <p:cNvPr id="2" name="Title 1">
+            <a:extLst>
+              <a:ext uri="{FF2B5EF4-FFF2-40B4-BE49-F238E27FC236}">
+                <a16:creationId xmlns:a16="http://schemas.microsoft.com/office/drawing/2014/main" id="{617270A9-5B2A-5DBF-9E82-AE879E9F2ED4}"/>
+              </a:ext>
+            </a:extLst>
+          </p:cNvPr>
+          <p:cNvSpPr>
+            <a:spLocks noGrp="1"/>
+          </p:cNvSpPr>
+          <p:nvPr>
+            <p:ph type="title"/>
+          </p:nvPr>
+        </p:nvSpPr>
+        <p:spPr>
+          <a:xfrm>
+            <a:off x="758952" y="987136"/>
+            <a:ext cx="10671048" cy="789709"/>
+          </a:xfrm>
+        </p:spPr>
+        <p:txBody>
+          <a:bodyPr/>
+          <a:lstStyle/>
+          <a:p>
+            <a:r>
+              <a:rPr lang="en-GB" sz="2400" dirty="0"/>
+              <a:t>exploratory data analysis (EDA) for the new instances </a:t>
+            </a:r>
+            <a:endParaRPr lang="en-SL" sz="2400" dirty="0"/>
+          </a:p>
+        </p:txBody>
+      </p:sp>
+      <p:sp>
+        <p:nvSpPr>
+          <p:cNvPr id="3" name="Content Placeholder 2">
+            <a:extLst>
+              <a:ext uri="{FF2B5EF4-FFF2-40B4-BE49-F238E27FC236}">
+                <a16:creationId xmlns:a16="http://schemas.microsoft.com/office/drawing/2014/main" id="{36922906-DC34-A0BC-6CC5-C4871AE6F2D2}"/>
+              </a:ext>
+            </a:extLst>
+          </p:cNvPr>
+          <p:cNvSpPr>
+            <a:spLocks noGrp="1"/>
+          </p:cNvSpPr>
+          <p:nvPr>
+            <p:ph sz="half" idx="1"/>
+          </p:nvPr>
+        </p:nvSpPr>
+        <p:spPr/>
+        <p:txBody>
+          <a:bodyPr/>
+          <a:lstStyle/>
+          <a:p>
+            <a:pPr algn="just"/>
+            <a:r>
+              <a:rPr lang="en-GB" sz="2400" dirty="0"/>
+              <a:t>The exploratory data analysis (EDA) for the new instances involves examining their features to understand their characteristics. Summary statistics provide an overview of the new instances' data distribution, while visualizations like boxplots help identify any outliers or differences compared to the original dataset. Additionally, the correlation heatmap allows us to explore relationships between features within the new instances. EDA aids in assessing the suitability of the new instances for classification tasks and provides insights into their potential impact on model performance. Overall, EDA for the new instances facilitates a deeper understanding of their properties and guides subsequent </a:t>
+            </a:r>
+            <a:r>
+              <a:rPr lang="en-GB" sz="2400" dirty="0" err="1"/>
+              <a:t>modeling</a:t>
+            </a:r>
+            <a:r>
+              <a:rPr lang="en-GB" sz="2400" dirty="0"/>
+              <a:t> decisions.</a:t>
+            </a:r>
+            <a:endParaRPr lang="en-SL" sz="2400" dirty="0"/>
+          </a:p>
+        </p:txBody>
+      </p:sp>
+      <p:sp>
+        <p:nvSpPr>
+          <p:cNvPr id="4" name="Footer Placeholder 3">
+            <a:extLst>
+              <a:ext uri="{FF2B5EF4-FFF2-40B4-BE49-F238E27FC236}">
+                <a16:creationId xmlns:a16="http://schemas.microsoft.com/office/drawing/2014/main" id="{4AC89B7D-BDA6-ABF6-2075-A12810F3DDEE}"/>
+              </a:ext>
+            </a:extLst>
+          </p:cNvPr>
+          <p:cNvSpPr>
+            <a:spLocks noGrp="1"/>
+          </p:cNvSpPr>
+          <p:nvPr>
+            <p:ph type="ftr" sz="quarter" idx="11"/>
+          </p:nvPr>
+        </p:nvSpPr>
+        <p:spPr/>
+        <p:txBody>
+          <a:bodyPr/>
+          <a:lstStyle/>
+          <a:p>
+            <a:r>
+              <a:rPr lang="en-US"/>
+              <a:t>Presentation title</a:t>
+            </a:r>
+            <a:endParaRPr lang="en-US" dirty="0"/>
+          </a:p>
+        </p:txBody>
+      </p:sp>
+      <p:sp>
+        <p:nvSpPr>
+          <p:cNvPr id="5" name="Slide Number Placeholder 4">
+            <a:extLst>
+              <a:ext uri="{FF2B5EF4-FFF2-40B4-BE49-F238E27FC236}">
+                <a16:creationId xmlns:a16="http://schemas.microsoft.com/office/drawing/2014/main" id="{7688A678-64FF-D6AC-F818-56C88EBBAAB0}"/>
+              </a:ext>
+            </a:extLst>
+          </p:cNvPr>
+          <p:cNvSpPr>
+            <a:spLocks noGrp="1"/>
+          </p:cNvSpPr>
+          <p:nvPr>
+            <p:ph type="sldNum" sz="quarter" idx="12"/>
+          </p:nvPr>
+        </p:nvSpPr>
+        <p:spPr/>
+        <p:txBody>
+          <a:bodyPr/>
+          <a:lstStyle/>
+          <a:p>
+            <a:fld id="{48F63A3B-78C7-47BE-AE5E-E10140E04643}" type="slidenum">
+              <a:rPr lang="en-US" smtClean="0"/>
+              <a:t>34</a:t>
+            </a:fld>
+            <a:endParaRPr lang="en-US" dirty="0"/>
+          </a:p>
+        </p:txBody>
+      </p:sp>
+    </p:spTree>
+    <p:extLst>
+      <p:ext uri="{BB962C8B-B14F-4D97-AF65-F5344CB8AC3E}">
+        <p14:creationId xmlns:p14="http://schemas.microsoft.com/office/powerpoint/2010/main" val="3344297446"/>
+      </p:ext>
+    </p:extLst>
+  </p:cSld>
+  <p:clrMapOvr>
+    <a:masterClrMapping/>
+  </p:clrMapOvr>
+</p:sld>
+</file>
+
+<file path=ppt/slides/slide35.xml><?xml version="1.0" encoding="utf-8"?>
+<p:sld xmlns:a="http://schemas.openxmlformats.org/drawingml/2006/main" xmlns:r="http://schemas.openxmlformats.org/officeDocument/2006/relationships" xmlns:p="http://schemas.openxmlformats.org/presentationml/2006/main">
+  <p:cSld>
+    <p:spTree>
+      <p:nvGrpSpPr>
+        <p:cNvPr id="1" name="">
+          <a:extLst>
+            <a:ext uri="{FF2B5EF4-FFF2-40B4-BE49-F238E27FC236}">
+              <a16:creationId xmlns:a16="http://schemas.microsoft.com/office/drawing/2014/main" id="{EAFB6F6D-E304-ABD0-3409-16AA1D520A45}"/>
+            </a:ext>
+          </a:extLst>
+        </p:cNvPr>
+        <p:cNvGrpSpPr/>
+        <p:nvPr/>
+      </p:nvGrpSpPr>
+      <p:grpSpPr>
+        <a:xfrm>
+          <a:off x="0" y="0"/>
+          <a:ext cx="0" cy="0"/>
+          <a:chOff x="0" y="0"/>
+          <a:chExt cx="0" cy="0"/>
+        </a:xfrm>
+      </p:grpSpPr>
+      <p:sp>
+        <p:nvSpPr>
+          <p:cNvPr id="2" name="Title 1">
+            <a:extLst>
+              <a:ext uri="{FF2B5EF4-FFF2-40B4-BE49-F238E27FC236}">
+                <a16:creationId xmlns:a16="http://schemas.microsoft.com/office/drawing/2014/main" id="{E9F04E60-D160-831F-F62B-97DFE893213C}"/>
+              </a:ext>
+            </a:extLst>
+          </p:cNvPr>
+          <p:cNvSpPr>
+            <a:spLocks noGrp="1"/>
+          </p:cNvSpPr>
+          <p:nvPr>
+            <p:ph type="title"/>
+          </p:nvPr>
+        </p:nvSpPr>
+        <p:spPr/>
+        <p:txBody>
+          <a:bodyPr/>
+          <a:lstStyle/>
+          <a:p>
+            <a:r>
+              <a:rPr lang="en-GB" sz="2000" dirty="0"/>
+              <a:t>Summary Statistics of New Instances</a:t>
+            </a:r>
+            <a:endParaRPr lang="en-SL" sz="2000" dirty="0"/>
+          </a:p>
+        </p:txBody>
+      </p:sp>
+      <p:sp>
+        <p:nvSpPr>
+          <p:cNvPr id="3" name="Content Placeholder 2">
+            <a:extLst>
+              <a:ext uri="{FF2B5EF4-FFF2-40B4-BE49-F238E27FC236}">
+                <a16:creationId xmlns:a16="http://schemas.microsoft.com/office/drawing/2014/main" id="{CA43C375-E14D-908C-208C-1AF6639D4588}"/>
+              </a:ext>
+            </a:extLst>
+          </p:cNvPr>
+          <p:cNvSpPr>
+            <a:spLocks noGrp="1"/>
+          </p:cNvSpPr>
+          <p:nvPr>
+            <p:ph sz="half" idx="1"/>
+          </p:nvPr>
+        </p:nvSpPr>
+        <p:spPr/>
+        <p:txBody>
+          <a:bodyPr/>
+          <a:lstStyle/>
+          <a:p>
+            <a:r>
+              <a:rPr lang="en-GB" dirty="0"/>
+              <a:t>Summary Statistics of New Instances:</a:t>
+            </a:r>
+          </a:p>
+          <a:p>
+            <a:r>
+              <a:rPr lang="en-GB" dirty="0"/>
+              <a:t>         Alcohol  Malic Acid  ...  OD280/OD315 of Diluted Wines      Proline</a:t>
+            </a:r>
+          </a:p>
+          <a:p>
+            <a:r>
+              <a:rPr lang="en-GB" dirty="0"/>
+              <a:t>count   3.000000    3.000000  ...                      3.000000     3.000000</a:t>
+            </a:r>
+          </a:p>
+          <a:p>
+            <a:r>
+              <a:rPr lang="en-GB" dirty="0"/>
+              <a:t>mean   13.166667    2.333333  ...                      2.833333   806.666667</a:t>
+            </a:r>
+          </a:p>
+          <a:p>
+            <a:r>
+              <a:rPr lang="en-GB" dirty="0"/>
+              <a:t>std     1.040833    0.763763  ...                      0.152753   253.245599</a:t>
+            </a:r>
+          </a:p>
+          <a:p>
+            <a:r>
+              <a:rPr lang="en-GB" dirty="0"/>
+              <a:t>min    12.000000    1.500000  ...                      2.700000   520.000000</a:t>
+            </a:r>
+          </a:p>
+          <a:p>
+            <a:r>
+              <a:rPr lang="en-GB" dirty="0"/>
+              <a:t>25%    12.750000    2.000000  ...                      2.750000   710.000000</a:t>
+            </a:r>
+          </a:p>
+          <a:p>
+            <a:r>
+              <a:rPr lang="en-GB" dirty="0"/>
+              <a:t>50%    13.500000    2.500000  ...                      2.800000   900.000000</a:t>
+            </a:r>
+          </a:p>
+          <a:p>
+            <a:r>
+              <a:rPr lang="en-GB" dirty="0"/>
+              <a:t>75%    13.750000    2.750000  ...                      2.900000   950.000000</a:t>
+            </a:r>
+          </a:p>
+          <a:p>
+            <a:r>
+              <a:rPr lang="en-GB" dirty="0"/>
+              <a:t>max    14.000000    3.000000  ...                      3.000000  1000.000000</a:t>
+            </a:r>
+          </a:p>
+          <a:p>
+            <a:endParaRPr lang="en-GB" dirty="0"/>
+          </a:p>
+          <a:p>
+            <a:r>
+              <a:rPr lang="en-GB" dirty="0"/>
+              <a:t>[8 rows x 13 columns]</a:t>
+            </a:r>
+          </a:p>
+          <a:p>
+            <a:endParaRPr lang="en-SL" dirty="0"/>
+          </a:p>
+        </p:txBody>
+      </p:sp>
+      <p:sp>
+        <p:nvSpPr>
+          <p:cNvPr id="4" name="Footer Placeholder 3">
+            <a:extLst>
+              <a:ext uri="{FF2B5EF4-FFF2-40B4-BE49-F238E27FC236}">
+                <a16:creationId xmlns:a16="http://schemas.microsoft.com/office/drawing/2014/main" id="{177C3EE1-E3CC-7788-7196-95ABB0F85766}"/>
+              </a:ext>
+            </a:extLst>
+          </p:cNvPr>
+          <p:cNvSpPr>
+            <a:spLocks noGrp="1"/>
+          </p:cNvSpPr>
+          <p:nvPr>
+            <p:ph type="ftr" sz="quarter" idx="11"/>
+          </p:nvPr>
+        </p:nvSpPr>
+        <p:spPr/>
+        <p:txBody>
+          <a:bodyPr/>
+          <a:lstStyle/>
+          <a:p>
+            <a:r>
+              <a:rPr lang="en-US"/>
+              <a:t>Presentation title</a:t>
+            </a:r>
+            <a:endParaRPr lang="en-US" dirty="0"/>
+          </a:p>
+        </p:txBody>
+      </p:sp>
+      <p:sp>
+        <p:nvSpPr>
+          <p:cNvPr id="5" name="Slide Number Placeholder 4">
+            <a:extLst>
+              <a:ext uri="{FF2B5EF4-FFF2-40B4-BE49-F238E27FC236}">
+                <a16:creationId xmlns:a16="http://schemas.microsoft.com/office/drawing/2014/main" id="{B626692F-1CD7-C269-467B-901F729E4D47}"/>
+              </a:ext>
+            </a:extLst>
+          </p:cNvPr>
+          <p:cNvSpPr>
+            <a:spLocks noGrp="1"/>
+          </p:cNvSpPr>
+          <p:nvPr>
+            <p:ph type="sldNum" sz="quarter" idx="12"/>
+          </p:nvPr>
+        </p:nvSpPr>
+        <p:spPr/>
+        <p:txBody>
+          <a:bodyPr/>
+          <a:lstStyle/>
+          <a:p>
+            <a:fld id="{48F63A3B-78C7-47BE-AE5E-E10140E04643}" type="slidenum">
+              <a:rPr lang="en-US" smtClean="0"/>
+              <a:t>35</a:t>
+            </a:fld>
+            <a:endParaRPr lang="en-US" dirty="0"/>
+          </a:p>
+        </p:txBody>
+      </p:sp>
+    </p:spTree>
+    <p:extLst>
+      <p:ext uri="{BB962C8B-B14F-4D97-AF65-F5344CB8AC3E}">
+        <p14:creationId xmlns:p14="http://schemas.microsoft.com/office/powerpoint/2010/main" val="3462404769"/>
+      </p:ext>
+    </p:extLst>
+  </p:cSld>
+  <p:clrMapOvr>
+    <a:masterClrMapping/>
+  </p:clrMapOvr>
+</p:sld>
+</file>
+
+<file path=ppt/slides/slide36.xml><?xml version="1.0" encoding="utf-8"?>
+<p:sld xmlns:a="http://schemas.openxmlformats.org/drawingml/2006/main" xmlns:r="http://schemas.openxmlformats.org/officeDocument/2006/relationships" xmlns:p="http://schemas.openxmlformats.org/presentationml/2006/main">
+  <p:cSld>
+    <p:spTree>
+      <p:nvGrpSpPr>
+        <p:cNvPr id="1" name=""/>
+        <p:cNvGrpSpPr/>
+        <p:nvPr/>
+      </p:nvGrpSpPr>
+      <p:grpSpPr>
+        <a:xfrm>
+          <a:off x="0" y="0"/>
+          <a:ext cx="0" cy="0"/>
+          <a:chOff x="0" y="0"/>
+          <a:chExt cx="0" cy="0"/>
+        </a:xfrm>
+      </p:grpSpPr>
+      <p:sp>
+        <p:nvSpPr>
+          <p:cNvPr id="2" name="Title 1">
+            <a:extLst>
+              <a:ext uri="{FF2B5EF4-FFF2-40B4-BE49-F238E27FC236}">
+                <a16:creationId xmlns:a16="http://schemas.microsoft.com/office/drawing/2014/main" id="{F3EE6DF7-A919-004C-3871-BBFD330BCE66}"/>
+              </a:ext>
+            </a:extLst>
+          </p:cNvPr>
+          <p:cNvSpPr>
+            <a:spLocks noGrp="1"/>
+          </p:cNvSpPr>
+          <p:nvPr>
+            <p:ph type="title"/>
+          </p:nvPr>
+        </p:nvSpPr>
+        <p:spPr>
+          <a:xfrm>
+            <a:off x="758952" y="731520"/>
+            <a:ext cx="10671048" cy="785553"/>
+          </a:xfrm>
+        </p:spPr>
+        <p:txBody>
+          <a:bodyPr/>
+          <a:lstStyle/>
+          <a:p>
+            <a:r>
+              <a:rPr lang="en-GB" sz="2400" dirty="0"/>
+              <a:t>Correlation heat map of new instances</a:t>
+            </a:r>
+            <a:endParaRPr lang="en-SL" sz="2400" dirty="0"/>
+          </a:p>
+        </p:txBody>
+      </p:sp>
+      <p:pic>
+        <p:nvPicPr>
+          <p:cNvPr id="7" name="Content Placeholder 6" descr="A red and blue squares&#10;&#10;Description automatically generated">
+            <a:extLst>
+              <a:ext uri="{FF2B5EF4-FFF2-40B4-BE49-F238E27FC236}">
+                <a16:creationId xmlns:a16="http://schemas.microsoft.com/office/drawing/2014/main" id="{F57D99CD-5B42-6350-6536-E00ECC59FF1F}"/>
+              </a:ext>
+            </a:extLst>
+          </p:cNvPr>
+          <p:cNvPicPr>
+            <a:picLocks noGrp="1" noChangeAspect="1"/>
+          </p:cNvPicPr>
+          <p:nvPr>
+            <p:ph sz="half" idx="1"/>
+          </p:nvPr>
+        </p:nvPicPr>
+        <p:blipFill>
+          <a:blip r:embed="rId2"/>
+          <a:stretch>
+            <a:fillRect/>
+          </a:stretch>
+        </p:blipFill>
+        <p:spPr>
+          <a:xfrm>
+            <a:off x="987137" y="1662546"/>
+            <a:ext cx="10525990" cy="4874780"/>
+          </a:xfrm>
+        </p:spPr>
+      </p:pic>
+      <p:sp>
+        <p:nvSpPr>
+          <p:cNvPr id="4" name="Footer Placeholder 3">
+            <a:extLst>
+              <a:ext uri="{FF2B5EF4-FFF2-40B4-BE49-F238E27FC236}">
+                <a16:creationId xmlns:a16="http://schemas.microsoft.com/office/drawing/2014/main" id="{4C319634-1F16-D8CB-A905-B1B98DE28BBA}"/>
+              </a:ext>
+            </a:extLst>
+          </p:cNvPr>
+          <p:cNvSpPr>
+            <a:spLocks noGrp="1"/>
+          </p:cNvSpPr>
+          <p:nvPr>
+            <p:ph type="ftr" sz="quarter" idx="11"/>
+          </p:nvPr>
+        </p:nvSpPr>
+        <p:spPr/>
+        <p:txBody>
+          <a:bodyPr/>
+          <a:lstStyle/>
+          <a:p>
+            <a:r>
+              <a:rPr lang="en-US"/>
+              <a:t>Presentation title</a:t>
+            </a:r>
+            <a:endParaRPr lang="en-US" dirty="0"/>
+          </a:p>
+        </p:txBody>
+      </p:sp>
+      <p:sp>
+        <p:nvSpPr>
+          <p:cNvPr id="5" name="Slide Number Placeholder 4">
+            <a:extLst>
+              <a:ext uri="{FF2B5EF4-FFF2-40B4-BE49-F238E27FC236}">
+                <a16:creationId xmlns:a16="http://schemas.microsoft.com/office/drawing/2014/main" id="{F767DD48-B28E-D6EE-192A-F29978B6856E}"/>
+              </a:ext>
+            </a:extLst>
+          </p:cNvPr>
+          <p:cNvSpPr>
+            <a:spLocks noGrp="1"/>
+          </p:cNvSpPr>
+          <p:nvPr>
+            <p:ph type="sldNum" sz="quarter" idx="12"/>
+          </p:nvPr>
+        </p:nvSpPr>
+        <p:spPr/>
+        <p:txBody>
+          <a:bodyPr/>
+          <a:lstStyle/>
+          <a:p>
+            <a:fld id="{48F63A3B-78C7-47BE-AE5E-E10140E04643}" type="slidenum">
+              <a:rPr lang="en-US" smtClean="0"/>
+              <a:t>36</a:t>
+            </a:fld>
+            <a:endParaRPr lang="en-US" dirty="0"/>
+          </a:p>
+        </p:txBody>
+      </p:sp>
+    </p:spTree>
+    <p:extLst>
+      <p:ext uri="{BB962C8B-B14F-4D97-AF65-F5344CB8AC3E}">
+        <p14:creationId xmlns:p14="http://schemas.microsoft.com/office/powerpoint/2010/main" val="3513850702"/>
+      </p:ext>
+    </p:extLst>
+  </p:cSld>
+  <p:clrMapOvr>
+    <a:masterClrMapping/>
+  </p:clrMapOvr>
+</p:sld>
+</file>
+
+<file path=ppt/slides/slide37.xml><?xml version="1.0" encoding="utf-8"?>
+<p:sld xmlns:a="http://schemas.openxmlformats.org/drawingml/2006/main" xmlns:r="http://schemas.openxmlformats.org/officeDocument/2006/relationships" xmlns:p="http://schemas.openxmlformats.org/presentationml/2006/main">
+  <p:cSld>
+    <p:spTree>
+      <p:nvGrpSpPr>
+        <p:cNvPr id="1" name=""/>
+        <p:cNvGrpSpPr/>
+        <p:nvPr/>
+      </p:nvGrpSpPr>
+      <p:grpSpPr>
+        <a:xfrm>
+          <a:off x="0" y="0"/>
+          <a:ext cx="0" cy="0"/>
+          <a:chOff x="0" y="0"/>
+          <a:chExt cx="0" cy="0"/>
+        </a:xfrm>
+      </p:grpSpPr>
+      <p:sp>
+        <p:nvSpPr>
+          <p:cNvPr id="2" name="Title 1">
+            <a:extLst>
+              <a:ext uri="{FF2B5EF4-FFF2-40B4-BE49-F238E27FC236}">
+                <a16:creationId xmlns:a16="http://schemas.microsoft.com/office/drawing/2014/main" id="{A8FF06CB-F680-887F-C699-56344A63D80E}"/>
+              </a:ext>
+            </a:extLst>
+          </p:cNvPr>
+          <p:cNvSpPr>
+            <a:spLocks noGrp="1"/>
+          </p:cNvSpPr>
+          <p:nvPr>
+            <p:ph type="title"/>
+          </p:nvPr>
+        </p:nvSpPr>
+        <p:spPr/>
+        <p:txBody>
+          <a:bodyPr/>
+          <a:lstStyle/>
+          <a:p>
+            <a:r>
+              <a:rPr lang="en-GB" sz="1800" dirty="0"/>
+              <a:t>Features in new instances</a:t>
+            </a:r>
+            <a:endParaRPr lang="en-SL" sz="1800" dirty="0"/>
+          </a:p>
+        </p:txBody>
+      </p:sp>
+      <p:pic>
+        <p:nvPicPr>
+          <p:cNvPr id="7" name="Content Placeholder 6" descr="A white screen with black text&#10;&#10;Description automatically generated">
+            <a:extLst>
+              <a:ext uri="{FF2B5EF4-FFF2-40B4-BE49-F238E27FC236}">
+                <a16:creationId xmlns:a16="http://schemas.microsoft.com/office/drawing/2014/main" id="{A4ACE798-B9D9-9053-82A7-C783C8B84BFC}"/>
+              </a:ext>
+            </a:extLst>
+          </p:cNvPr>
+          <p:cNvPicPr>
+            <a:picLocks noGrp="1" noChangeAspect="1"/>
+          </p:cNvPicPr>
+          <p:nvPr>
+            <p:ph sz="half" idx="1"/>
+          </p:nvPr>
+        </p:nvPicPr>
+        <p:blipFill>
+          <a:blip r:embed="rId2"/>
+          <a:stretch>
+            <a:fillRect/>
+          </a:stretch>
+        </p:blipFill>
+        <p:spPr>
+          <a:xfrm>
+            <a:off x="1582961" y="2103438"/>
+            <a:ext cx="9032427" cy="4433887"/>
+          </a:xfrm>
+        </p:spPr>
+      </p:pic>
+      <p:sp>
+        <p:nvSpPr>
+          <p:cNvPr id="4" name="Footer Placeholder 3">
+            <a:extLst>
+              <a:ext uri="{FF2B5EF4-FFF2-40B4-BE49-F238E27FC236}">
+                <a16:creationId xmlns:a16="http://schemas.microsoft.com/office/drawing/2014/main" id="{8B621D67-D2D0-DF1C-65E9-4D7C6CC79D78}"/>
+              </a:ext>
+            </a:extLst>
+          </p:cNvPr>
+          <p:cNvSpPr>
+            <a:spLocks noGrp="1"/>
+          </p:cNvSpPr>
+          <p:nvPr>
+            <p:ph type="ftr" sz="quarter" idx="11"/>
+          </p:nvPr>
+        </p:nvSpPr>
+        <p:spPr/>
+        <p:txBody>
+          <a:bodyPr/>
+          <a:lstStyle/>
+          <a:p>
+            <a:r>
+              <a:rPr lang="en-US"/>
+              <a:t>Presentation title</a:t>
+            </a:r>
+            <a:endParaRPr lang="en-US" dirty="0"/>
+          </a:p>
+        </p:txBody>
+      </p:sp>
+      <p:sp>
+        <p:nvSpPr>
+          <p:cNvPr id="5" name="Slide Number Placeholder 4">
+            <a:extLst>
+              <a:ext uri="{FF2B5EF4-FFF2-40B4-BE49-F238E27FC236}">
+                <a16:creationId xmlns:a16="http://schemas.microsoft.com/office/drawing/2014/main" id="{E00DC2C2-CEFA-2046-9AC6-9826B970137E}"/>
+              </a:ext>
+            </a:extLst>
+          </p:cNvPr>
+          <p:cNvSpPr>
+            <a:spLocks noGrp="1"/>
+          </p:cNvSpPr>
+          <p:nvPr>
+            <p:ph type="sldNum" sz="quarter" idx="12"/>
+          </p:nvPr>
+        </p:nvSpPr>
+        <p:spPr/>
+        <p:txBody>
+          <a:bodyPr/>
+          <a:lstStyle/>
+          <a:p>
+            <a:fld id="{48F63A3B-78C7-47BE-AE5E-E10140E04643}" type="slidenum">
+              <a:rPr lang="en-US" smtClean="0"/>
+              <a:t>37</a:t>
+            </a:fld>
+            <a:endParaRPr lang="en-US" dirty="0"/>
+          </a:p>
+        </p:txBody>
+      </p:sp>
+    </p:spTree>
+    <p:extLst>
+      <p:ext uri="{BB962C8B-B14F-4D97-AF65-F5344CB8AC3E}">
+        <p14:creationId xmlns:p14="http://schemas.microsoft.com/office/powerpoint/2010/main" val="1209468058"/>
+      </p:ext>
+    </p:extLst>
+  </p:cSld>
+  <p:clrMapOvr>
+    <a:masterClrMapping/>
+  </p:clrMapOvr>
+</p:sld>
+</file>
+
+<file path=ppt/slides/slide38.xml><?xml version="1.0" encoding="utf-8"?>
+<p:sld xmlns:a="http://schemas.openxmlformats.org/drawingml/2006/main" xmlns:r="http://schemas.openxmlformats.org/officeDocument/2006/relationships" xmlns:p="http://schemas.openxmlformats.org/presentationml/2006/main">
+  <p:cSld>
+    <p:spTree>
+      <p:nvGrpSpPr>
+        <p:cNvPr id="1" name=""/>
+        <p:cNvGrpSpPr/>
+        <p:nvPr/>
+      </p:nvGrpSpPr>
+      <p:grpSpPr>
+        <a:xfrm>
+          <a:off x="0" y="0"/>
+          <a:ext cx="0" cy="0"/>
+          <a:chOff x="0" y="0"/>
+          <a:chExt cx="0" cy="0"/>
+        </a:xfrm>
+      </p:grpSpPr>
+      <p:sp>
+        <p:nvSpPr>
+          <p:cNvPr id="2" name="Title 1">
+            <a:extLst>
+              <a:ext uri="{FF2B5EF4-FFF2-40B4-BE49-F238E27FC236}">
+                <a16:creationId xmlns:a16="http://schemas.microsoft.com/office/drawing/2014/main" id="{786A4ABB-B2C2-69E6-7F02-9062E9428509}"/>
+              </a:ext>
+            </a:extLst>
+          </p:cNvPr>
+          <p:cNvSpPr>
+            <a:spLocks noGrp="1"/>
+          </p:cNvSpPr>
+          <p:nvPr>
+            <p:ph type="title"/>
+          </p:nvPr>
+        </p:nvSpPr>
+        <p:spPr/>
+        <p:txBody>
+          <a:bodyPr/>
+          <a:lstStyle/>
+          <a:p>
+            <a:r>
+              <a:rPr lang="en-GB" sz="2400" dirty="0">
+                <a:latin typeface="Times New Roman" panose="02020603050405020304" pitchFamily="18" charset="0"/>
+                <a:cs typeface="Times New Roman" panose="02020603050405020304" pitchFamily="18" charset="0"/>
+              </a:rPr>
+              <a:t>New instances vs the real wine dataset</a:t>
+            </a:r>
+            <a:endParaRPr lang="en-SL" sz="2400" dirty="0">
+              <a:latin typeface="Times New Roman" panose="02020603050405020304" pitchFamily="18" charset="0"/>
+              <a:cs typeface="Times New Roman" panose="02020603050405020304" pitchFamily="18" charset="0"/>
+            </a:endParaRPr>
+          </a:p>
+        </p:txBody>
+      </p:sp>
+      <p:sp>
+        <p:nvSpPr>
+          <p:cNvPr id="3" name="Content Placeholder 2">
+            <a:extLst>
+              <a:ext uri="{FF2B5EF4-FFF2-40B4-BE49-F238E27FC236}">
+                <a16:creationId xmlns:a16="http://schemas.microsoft.com/office/drawing/2014/main" id="{EB4442F3-41BF-401C-5A9B-203CA078A621}"/>
+              </a:ext>
+            </a:extLst>
+          </p:cNvPr>
+          <p:cNvSpPr>
+            <a:spLocks noGrp="1"/>
+          </p:cNvSpPr>
+          <p:nvPr>
+            <p:ph sz="half" idx="1"/>
+          </p:nvPr>
+        </p:nvSpPr>
+        <p:spPr/>
+        <p:txBody>
+          <a:bodyPr/>
+          <a:lstStyle/>
+          <a:p>
+            <a:pPr algn="just"/>
+            <a:r>
+              <a:rPr lang="en-GB" sz="2000" dirty="0">
+                <a:latin typeface="Times New Roman" panose="02020603050405020304" pitchFamily="18" charset="0"/>
+                <a:cs typeface="Times New Roman" panose="02020603050405020304" pitchFamily="18" charset="0"/>
+              </a:rPr>
+              <a:t>The new instances introduced for prediction possess chemical properties akin to those in the original dataset. However, they represent hypothetical scenarios and lack real-world validation. In contrast, the original dataset's visualization depicted empirical data, showcasing actual wine samples with established class labels. While the visualization of the project displayed the distribution of features and class labels, the new instances' visualization solely focuses on the predicted outcomes. Additionally, the original dataset's visualization provided insights into the dataset's structure, feature importance, and decision boundaries, aiding in model interpretation. Conversely, the visualization of the new instances highlights the models' predictive capabilities but lacks the context provided by the original dataset. Despite these differences, both visualizations serve essential roles in understanding the models' performance and their ability to classify wine samples accurately</a:t>
+            </a:r>
+            <a:r>
+              <a:rPr lang="en-GB" dirty="0"/>
+              <a:t>.</a:t>
+            </a:r>
+            <a:endParaRPr lang="en-SL" dirty="0"/>
+          </a:p>
+        </p:txBody>
+      </p:sp>
+      <p:sp>
+        <p:nvSpPr>
+          <p:cNvPr id="4" name="Footer Placeholder 3">
+            <a:extLst>
+              <a:ext uri="{FF2B5EF4-FFF2-40B4-BE49-F238E27FC236}">
+                <a16:creationId xmlns:a16="http://schemas.microsoft.com/office/drawing/2014/main" id="{64F4BF20-602A-E3CD-828A-B37ED0020F4A}"/>
+              </a:ext>
+            </a:extLst>
+          </p:cNvPr>
+          <p:cNvSpPr>
+            <a:spLocks noGrp="1"/>
+          </p:cNvSpPr>
+          <p:nvPr>
+            <p:ph type="ftr" sz="quarter" idx="11"/>
+          </p:nvPr>
+        </p:nvSpPr>
+        <p:spPr/>
+        <p:txBody>
+          <a:bodyPr/>
+          <a:lstStyle/>
+          <a:p>
+            <a:r>
+              <a:rPr lang="en-US"/>
+              <a:t>Presentation title</a:t>
+            </a:r>
+            <a:endParaRPr lang="en-US" dirty="0"/>
+          </a:p>
+        </p:txBody>
+      </p:sp>
+      <p:sp>
+        <p:nvSpPr>
+          <p:cNvPr id="5" name="Slide Number Placeholder 4">
+            <a:extLst>
+              <a:ext uri="{FF2B5EF4-FFF2-40B4-BE49-F238E27FC236}">
+                <a16:creationId xmlns:a16="http://schemas.microsoft.com/office/drawing/2014/main" id="{E7BAECFC-E2F9-CF07-C084-E893B72740FC}"/>
+              </a:ext>
+            </a:extLst>
+          </p:cNvPr>
+          <p:cNvSpPr>
+            <a:spLocks noGrp="1"/>
+          </p:cNvSpPr>
+          <p:nvPr>
+            <p:ph type="sldNum" sz="quarter" idx="12"/>
+          </p:nvPr>
+        </p:nvSpPr>
+        <p:spPr/>
+        <p:txBody>
+          <a:bodyPr/>
+          <a:lstStyle/>
+          <a:p>
+            <a:fld id="{48F63A3B-78C7-47BE-AE5E-E10140E04643}" type="slidenum">
+              <a:rPr lang="en-US" smtClean="0"/>
+              <a:t>38</a:t>
+            </a:fld>
+            <a:endParaRPr lang="en-US" dirty="0"/>
+          </a:p>
+        </p:txBody>
+      </p:sp>
+    </p:spTree>
+    <p:extLst>
+      <p:ext uri="{BB962C8B-B14F-4D97-AF65-F5344CB8AC3E}">
+        <p14:creationId xmlns:p14="http://schemas.microsoft.com/office/powerpoint/2010/main" val="2664900422"/>
+      </p:ext>
+    </p:extLst>
+  </p:cSld>
+  <p:clrMapOvr>
+    <a:masterClrMapping/>
+  </p:clrMapOvr>
+</p:sld>
+</file>
+
+<file path=ppt/slides/slide39.xml><?xml version="1.0" encoding="utf-8"?>
+<p:sld xmlns:a="http://schemas.openxmlformats.org/drawingml/2006/main" xmlns:r="http://schemas.openxmlformats.org/officeDocument/2006/relationships" xmlns:p="http://schemas.openxmlformats.org/presentationml/2006/main">
+  <p:cSld>
+    <p:spTree>
+      <p:nvGrpSpPr>
+        <p:cNvPr id="1" name=""/>
+        <p:cNvGrpSpPr/>
+        <p:nvPr/>
+      </p:nvGrpSpPr>
+      <p:grpSpPr>
+        <a:xfrm>
+          <a:off x="0" y="0"/>
+          <a:ext cx="0" cy="0"/>
+          <a:chOff x="0" y="0"/>
+          <a:chExt cx="0" cy="0"/>
+        </a:xfrm>
+      </p:grpSpPr>
+      <p:sp>
+        <p:nvSpPr>
+          <p:cNvPr id="2" name="Title 1">
+            <a:extLst>
+              <a:ext uri="{FF2B5EF4-FFF2-40B4-BE49-F238E27FC236}">
+                <a16:creationId xmlns:a16="http://schemas.microsoft.com/office/drawing/2014/main" id="{4B3173F8-8495-AF70-7E96-99687484E2E3}"/>
+              </a:ext>
+            </a:extLst>
+          </p:cNvPr>
+          <p:cNvSpPr>
+            <a:spLocks noGrp="1"/>
+          </p:cNvSpPr>
+          <p:nvPr>
+            <p:ph type="title"/>
+          </p:nvPr>
+        </p:nvSpPr>
+        <p:spPr/>
+        <p:txBody>
+          <a:bodyPr/>
+          <a:lstStyle/>
+          <a:p>
+            <a:r>
+              <a:rPr lang="en-GB" sz="2800" dirty="0"/>
+              <a:t>New instances vs dataset (</a:t>
+            </a:r>
+            <a:r>
+              <a:rPr lang="en-GB" sz="2800" dirty="0" err="1"/>
+              <a:t>eda</a:t>
+            </a:r>
+            <a:r>
+              <a:rPr lang="en-GB" sz="2800" dirty="0"/>
+              <a:t>)</a:t>
+            </a:r>
+            <a:endParaRPr lang="en-SL" sz="2800" dirty="0"/>
+          </a:p>
+        </p:txBody>
+      </p:sp>
+      <p:sp>
+        <p:nvSpPr>
+          <p:cNvPr id="3" name="Content Placeholder 2">
+            <a:extLst>
+              <a:ext uri="{FF2B5EF4-FFF2-40B4-BE49-F238E27FC236}">
+                <a16:creationId xmlns:a16="http://schemas.microsoft.com/office/drawing/2014/main" id="{03DC2187-1210-223A-137A-1A800B9496D1}"/>
+              </a:ext>
+            </a:extLst>
+          </p:cNvPr>
+          <p:cNvSpPr>
+            <a:spLocks noGrp="1"/>
+          </p:cNvSpPr>
+          <p:nvPr>
+            <p:ph sz="half" idx="1"/>
+          </p:nvPr>
+        </p:nvSpPr>
+        <p:spPr/>
+        <p:txBody>
+          <a:bodyPr/>
+          <a:lstStyle/>
+          <a:p>
+            <a:pPr algn="just"/>
+            <a:r>
+              <a:rPr lang="en-GB" sz="2400" dirty="0"/>
+              <a:t>In conclusion, the exploratory data analysis (EDA) provided valuable insights into the characteristics of the original Wine dataset, helping us understand feature distributions, relationships, and potential correlations. This analysis guided our preprocessing steps and model selection, ensuring robust classification models. Additionally, the EDA for the new instances shed light on their features and distributions, aiding in assessing their suitability for classification tasks. Overall, the EDA process facilitated a deeper understanding of both the original dataset and the new instances, guiding our </a:t>
+            </a:r>
+            <a:r>
+              <a:rPr lang="en-GB" sz="2400" dirty="0" err="1"/>
+              <a:t>modeling</a:t>
+            </a:r>
+            <a:r>
+              <a:rPr lang="en-GB" sz="2400" dirty="0"/>
+              <a:t> decisions and ensuring the effectiveness of our classification approach.</a:t>
+            </a:r>
+            <a:endParaRPr lang="en-SL" sz="2400" dirty="0"/>
+          </a:p>
+        </p:txBody>
+      </p:sp>
+      <p:sp>
+        <p:nvSpPr>
+          <p:cNvPr id="4" name="Footer Placeholder 3">
+            <a:extLst>
+              <a:ext uri="{FF2B5EF4-FFF2-40B4-BE49-F238E27FC236}">
+                <a16:creationId xmlns:a16="http://schemas.microsoft.com/office/drawing/2014/main" id="{62389D65-0DB9-1E81-9A12-9226A432826D}"/>
+              </a:ext>
+            </a:extLst>
+          </p:cNvPr>
+          <p:cNvSpPr>
+            <a:spLocks noGrp="1"/>
+          </p:cNvSpPr>
+          <p:nvPr>
+            <p:ph type="ftr" sz="quarter" idx="11"/>
+          </p:nvPr>
+        </p:nvSpPr>
+        <p:spPr/>
+        <p:txBody>
+          <a:bodyPr/>
+          <a:lstStyle/>
+          <a:p>
+            <a:r>
+              <a:rPr lang="en-US"/>
+              <a:t>Presentation title</a:t>
+            </a:r>
+            <a:endParaRPr lang="en-US" dirty="0"/>
+          </a:p>
+        </p:txBody>
+      </p:sp>
+      <p:sp>
+        <p:nvSpPr>
+          <p:cNvPr id="5" name="Slide Number Placeholder 4">
+            <a:extLst>
+              <a:ext uri="{FF2B5EF4-FFF2-40B4-BE49-F238E27FC236}">
+                <a16:creationId xmlns:a16="http://schemas.microsoft.com/office/drawing/2014/main" id="{D361F04C-B49A-1BA4-360A-3B33B90CAF8D}"/>
+              </a:ext>
+            </a:extLst>
+          </p:cNvPr>
+          <p:cNvSpPr>
+            <a:spLocks noGrp="1"/>
+          </p:cNvSpPr>
+          <p:nvPr>
+            <p:ph type="sldNum" sz="quarter" idx="12"/>
+          </p:nvPr>
+        </p:nvSpPr>
+        <p:spPr/>
+        <p:txBody>
+          <a:bodyPr/>
+          <a:lstStyle/>
+          <a:p>
+            <a:fld id="{48F63A3B-78C7-47BE-AE5E-E10140E04643}" type="slidenum">
+              <a:rPr lang="en-US" smtClean="0"/>
+              <a:t>39</a:t>
+            </a:fld>
+            <a:endParaRPr lang="en-US" dirty="0"/>
+          </a:p>
+        </p:txBody>
+      </p:sp>
+    </p:spTree>
+    <p:extLst>
+      <p:ext uri="{BB962C8B-B14F-4D97-AF65-F5344CB8AC3E}">
+        <p14:creationId xmlns:p14="http://schemas.microsoft.com/office/powerpoint/2010/main" val="1243276733"/>
+      </p:ext>
+    </p:extLst>
+  </p:cSld>
+  <p:clrMapOvr>
+    <a:masterClrMapping/>
+  </p:clrMapOvr>
+</p:sld>
+</file>
+
+<file path=ppt/slides/slide4.xml><?xml version="1.0" encoding="utf-8"?>
+<p:sld xmlns:a="http://schemas.openxmlformats.org/drawingml/2006/main" xmlns:r="http://schemas.openxmlformats.org/officeDocument/2006/relationships" xmlns:p="http://schemas.openxmlformats.org/presentationml/2006/main">
+  <p:cSld>
+    <p:spTree>
+      <p:nvGrpSpPr>
+        <p:cNvPr id="1" name=""/>
+        <p:cNvGrpSpPr/>
+        <p:nvPr/>
+      </p:nvGrpSpPr>
+      <p:grpSpPr>
+        <a:xfrm>
+          <a:off x="0" y="0"/>
+          <a:ext cx="0" cy="0"/>
+          <a:chOff x="0" y="0"/>
+          <a:chExt cx="0" cy="0"/>
+        </a:xfrm>
+      </p:grpSpPr>
+      <p:sp>
+        <p:nvSpPr>
+          <p:cNvPr id="2" name="Title 1">
+            <a:extLst>
+              <a:ext uri="{FF2B5EF4-FFF2-40B4-BE49-F238E27FC236}">
+                <a16:creationId xmlns:a16="http://schemas.microsoft.com/office/drawing/2014/main" id="{42204F13-2141-DD4C-C9E9-58EB1DAFED1E}"/>
+              </a:ext>
+            </a:extLst>
+          </p:cNvPr>
+          <p:cNvSpPr>
+            <a:spLocks noGrp="1"/>
+          </p:cNvSpPr>
+          <p:nvPr>
+            <p:ph type="title"/>
+          </p:nvPr>
+        </p:nvSpPr>
+        <p:spPr>
+          <a:xfrm>
+            <a:off x="4224528" y="934720"/>
+            <a:ext cx="6766560" cy="634773"/>
+          </a:xfrm>
+        </p:spPr>
+        <p:txBody>
+          <a:bodyPr/>
+          <a:lstStyle/>
+          <a:p>
+            <a:r>
+              <a:rPr lang="en-US" sz="2800" dirty="0"/>
+              <a:t>Dataset exploration</a:t>
+            </a:r>
+          </a:p>
+        </p:txBody>
+      </p:sp>
+      <p:sp>
+        <p:nvSpPr>
+          <p:cNvPr id="3" name="Content Placeholder 2">
+            <a:extLst>
+              <a:ext uri="{FF2B5EF4-FFF2-40B4-BE49-F238E27FC236}">
+                <a16:creationId xmlns:a16="http://schemas.microsoft.com/office/drawing/2014/main" id="{58F7ED3D-AE9D-2FB6-C69D-DC61063C9924}"/>
+              </a:ext>
+            </a:extLst>
+          </p:cNvPr>
+          <p:cNvSpPr>
+            <a:spLocks noGrp="1"/>
+          </p:cNvSpPr>
+          <p:nvPr>
+            <p:ph idx="1"/>
+          </p:nvPr>
+        </p:nvSpPr>
+        <p:spPr>
+          <a:xfrm>
+            <a:off x="4224527" y="1435101"/>
+            <a:ext cx="7444309" cy="5252302"/>
+          </a:xfrm>
+        </p:spPr>
+        <p:txBody>
+          <a:bodyPr/>
+          <a:lstStyle/>
+          <a:p>
+            <a:pPr algn="just"/>
+            <a:r>
+              <a:rPr lang="en-US" sz="2000" dirty="0"/>
+              <a:t>The dataset used in this project, known as the Wine Recognition Dataset, contains 178 wine samples with 13 features representing different chemical properties. Each sample belongs to one of three classes of wine. During dataset exploration, we load the dataset using scikit-learn and analyze its structure and content. We investigate the characteristics of the features included in the dataset, such as alcohol content, acidity levels, and phenolic content. Additionally, we examine the distribution of the target labels across the dataset to ensure a balanced representation of each wine class. Exploring the dataset helps us gain a comprehensive understanding of the data we are working with, facilitating informed decisions regarding data preprocessing, model selection, and evaluation metrics for our wine classification task. This initial exploration lays the groundwork for subsequent data preprocessing and model development stages of the projects.</a:t>
+            </a:r>
+          </a:p>
+        </p:txBody>
+      </p:sp>
+      <p:sp>
+        <p:nvSpPr>
+          <p:cNvPr id="4" name="Footer Placeholder 3">
+            <a:extLst>
+              <a:ext uri="{FF2B5EF4-FFF2-40B4-BE49-F238E27FC236}">
+                <a16:creationId xmlns:a16="http://schemas.microsoft.com/office/drawing/2014/main" id="{F8E2D31E-808D-9658-A2F9-E414758416C1}"/>
+              </a:ext>
+            </a:extLst>
+          </p:cNvPr>
+          <p:cNvSpPr>
+            <a:spLocks noGrp="1"/>
+          </p:cNvSpPr>
+          <p:nvPr>
+            <p:ph type="ftr" sz="quarter" idx="11"/>
+          </p:nvPr>
+        </p:nvSpPr>
+        <p:spPr/>
+        <p:txBody>
+          <a:bodyPr/>
+          <a:lstStyle/>
+          <a:p>
+            <a:r>
+              <a:rPr lang="en-US" dirty="0"/>
+              <a:t>Wine classification project</a:t>
+            </a:r>
+          </a:p>
+        </p:txBody>
+      </p:sp>
+      <p:sp>
+        <p:nvSpPr>
+          <p:cNvPr id="5" name="Slide Number Placeholder 4">
+            <a:extLst>
+              <a:ext uri="{FF2B5EF4-FFF2-40B4-BE49-F238E27FC236}">
+                <a16:creationId xmlns:a16="http://schemas.microsoft.com/office/drawing/2014/main" id="{8823E72D-EAE0-0EDC-6EB2-F7420511887C}"/>
+              </a:ext>
+            </a:extLst>
+          </p:cNvPr>
+          <p:cNvSpPr>
+            <a:spLocks noGrp="1"/>
+          </p:cNvSpPr>
+          <p:nvPr>
+            <p:ph type="sldNum" sz="quarter" idx="12"/>
+          </p:nvPr>
+        </p:nvSpPr>
+        <p:spPr/>
+        <p:txBody>
+          <a:bodyPr/>
+          <a:lstStyle/>
+          <a:p>
+            <a:fld id="{48F63A3B-78C7-47BE-AE5E-E10140E04643}" type="slidenum">
+              <a:rPr lang="en-US" smtClean="0"/>
+              <a:t>4</a:t>
+            </a:fld>
+            <a:endParaRPr lang="en-US" dirty="0"/>
+          </a:p>
+        </p:txBody>
+      </p:sp>
+    </p:spTree>
+    <p:extLst>
+      <p:ext uri="{BB962C8B-B14F-4D97-AF65-F5344CB8AC3E}">
+        <p14:creationId xmlns:p14="http://schemas.microsoft.com/office/powerpoint/2010/main" val="3686359092"/>
+      </p:ext>
+    </p:extLst>
+  </p:cSld>
+  <p:clrMapOvr>
+    <a:masterClrMapping/>
+  </p:clrMapOvr>
+</p:sld>
+</file>
+
+<file path=ppt/slides/slide40.xml><?xml version="1.0" encoding="utf-8"?>
+<p:sld xmlns:a="http://schemas.openxmlformats.org/drawingml/2006/main" xmlns:r="http://schemas.openxmlformats.org/officeDocument/2006/relationships" xmlns:p="http://schemas.openxmlformats.org/presentationml/2006/main">
+  <p:cSld>
+    <p:spTree>
+      <p:nvGrpSpPr>
+        <p:cNvPr id="1" name=""/>
+        <p:cNvGrpSpPr/>
+        <p:nvPr/>
+      </p:nvGrpSpPr>
+      <p:grpSpPr>
+        <a:xfrm>
+          <a:off x="0" y="0"/>
+          <a:ext cx="0" cy="0"/>
+          <a:chOff x="0" y="0"/>
+          <a:chExt cx="0" cy="0"/>
+        </a:xfrm>
+      </p:grpSpPr>
+      <p:sp>
+        <p:nvSpPr>
+          <p:cNvPr id="2" name="Title 1">
+            <a:extLst>
+              <a:ext uri="{FF2B5EF4-FFF2-40B4-BE49-F238E27FC236}">
+                <a16:creationId xmlns:a16="http://schemas.microsoft.com/office/drawing/2014/main" id="{11E7ADDE-50B3-7D55-F899-A6B276084C64}"/>
+              </a:ext>
+            </a:extLst>
+          </p:cNvPr>
+          <p:cNvSpPr>
+            <a:spLocks noGrp="1"/>
+          </p:cNvSpPr>
+          <p:nvPr>
+            <p:ph type="title"/>
+          </p:nvPr>
+        </p:nvSpPr>
+        <p:spPr/>
+        <p:txBody>
+          <a:bodyPr/>
+          <a:lstStyle/>
+          <a:p>
+            <a:r>
+              <a:rPr lang="en-GB" sz="1800" dirty="0"/>
+              <a:t>Challenges face during the projects</a:t>
+            </a:r>
+            <a:endParaRPr lang="en-SL" sz="1800" dirty="0"/>
+          </a:p>
+        </p:txBody>
+      </p:sp>
+      <p:sp>
+        <p:nvSpPr>
+          <p:cNvPr id="3" name="Content Placeholder 2">
+            <a:extLst>
+              <a:ext uri="{FF2B5EF4-FFF2-40B4-BE49-F238E27FC236}">
+                <a16:creationId xmlns:a16="http://schemas.microsoft.com/office/drawing/2014/main" id="{987196BB-E3EA-034F-9CE0-955C3C701886}"/>
+              </a:ext>
+            </a:extLst>
+          </p:cNvPr>
+          <p:cNvSpPr>
+            <a:spLocks noGrp="1"/>
+          </p:cNvSpPr>
+          <p:nvPr>
+            <p:ph sz="half" idx="1"/>
+          </p:nvPr>
+        </p:nvSpPr>
+        <p:spPr/>
+        <p:txBody>
+          <a:bodyPr/>
+          <a:lstStyle/>
+          <a:p>
+            <a:pPr algn="just"/>
+            <a:r>
+              <a:rPr lang="en-GB" dirty="0"/>
+              <a:t>Throughout the project, several challenges were encountered, each requiring careful consideration and problem-solving. Initially, understanding the dataset's intricacies and the significance of its features posed a hurdle, particularly when lacking domain-specific knowledge. Subsequently, preprocessing the data involved addressing missing values, outliers, and ensuring appropriate feature scaling, demanding meticulous attention to detail. Model selection proved to be another challenge, as it required choosing suitable classification algorithms and optimizing their hyperparameters through iterative experimentation and evaluation. Interpreting the results of the models, including coefficients in logistic regression and decision boundaries in SVM, required comprehensive analysis and understanding. Additionally, creating meaningful visualizations to convey insights effectively, especially for multidimensional data, demanded creativity and proficiency in visualization techniques. Time management was also critical, necessitating efficient allocation of time to complete the project within the given timeline while ensuring thorough exploration, </a:t>
+            </a:r>
+            <a:r>
+              <a:rPr lang="en-GB" dirty="0" err="1"/>
+              <a:t>modeling</a:t>
+            </a:r>
+            <a:r>
+              <a:rPr lang="en-GB" dirty="0"/>
+              <a:t>, and documentation. Lastly, collaboration among team members was vital, requiring effective communication and coordination to divide tasks, share insights, and integrate individual contributions, particularly in remote or virtual settings. Despite these challenges, overcoming them through collaboration, experimentation, and perseverance ultimately led to the successful completion of the project.</a:t>
+            </a:r>
+            <a:endParaRPr lang="en-SL" dirty="0"/>
+          </a:p>
+        </p:txBody>
+      </p:sp>
+      <p:sp>
+        <p:nvSpPr>
+          <p:cNvPr id="4" name="Footer Placeholder 3">
+            <a:extLst>
+              <a:ext uri="{FF2B5EF4-FFF2-40B4-BE49-F238E27FC236}">
+                <a16:creationId xmlns:a16="http://schemas.microsoft.com/office/drawing/2014/main" id="{51C505CC-09D4-8D84-EAF3-9E60C8C71117}"/>
+              </a:ext>
+            </a:extLst>
+          </p:cNvPr>
+          <p:cNvSpPr>
+            <a:spLocks noGrp="1"/>
+          </p:cNvSpPr>
+          <p:nvPr>
+            <p:ph type="ftr" sz="quarter" idx="11"/>
+          </p:nvPr>
+        </p:nvSpPr>
+        <p:spPr/>
+        <p:txBody>
+          <a:bodyPr/>
+          <a:lstStyle/>
+          <a:p>
+            <a:r>
+              <a:rPr lang="en-US"/>
+              <a:t>Presentation title</a:t>
+            </a:r>
+            <a:endParaRPr lang="en-US" dirty="0"/>
+          </a:p>
+        </p:txBody>
+      </p:sp>
+      <p:sp>
+        <p:nvSpPr>
+          <p:cNvPr id="5" name="Slide Number Placeholder 4">
+            <a:extLst>
+              <a:ext uri="{FF2B5EF4-FFF2-40B4-BE49-F238E27FC236}">
+                <a16:creationId xmlns:a16="http://schemas.microsoft.com/office/drawing/2014/main" id="{3C487685-B538-A83A-34E6-D26158C4DE1C}"/>
+              </a:ext>
+            </a:extLst>
+          </p:cNvPr>
+          <p:cNvSpPr>
+            <a:spLocks noGrp="1"/>
+          </p:cNvSpPr>
+          <p:nvPr>
+            <p:ph type="sldNum" sz="quarter" idx="12"/>
+          </p:nvPr>
+        </p:nvSpPr>
+        <p:spPr/>
+        <p:txBody>
+          <a:bodyPr/>
+          <a:lstStyle/>
+          <a:p>
+            <a:fld id="{48F63A3B-78C7-47BE-AE5E-E10140E04643}" type="slidenum">
+              <a:rPr lang="en-US" smtClean="0"/>
+              <a:t>40</a:t>
+            </a:fld>
+            <a:endParaRPr lang="en-US" dirty="0"/>
+          </a:p>
+        </p:txBody>
+      </p:sp>
+    </p:spTree>
+    <p:extLst>
+      <p:ext uri="{BB962C8B-B14F-4D97-AF65-F5344CB8AC3E}">
+        <p14:creationId xmlns:p14="http://schemas.microsoft.com/office/powerpoint/2010/main" val="2074094921"/>
+      </p:ext>
+    </p:extLst>
+  </p:cSld>
+  <p:clrMapOvr>
+    <a:masterClrMapping/>
+  </p:clrMapOvr>
+</p:sld>
+</file>
+
+<file path=ppt/slides/slide41.xml><?xml version="1.0" encoding="utf-8"?>
+<p:sld xmlns:a="http://schemas.openxmlformats.org/drawingml/2006/main" xmlns:r="http://schemas.openxmlformats.org/officeDocument/2006/relationships" xmlns:p="http://schemas.openxmlformats.org/presentationml/2006/main">
+  <p:cSld>
+    <p:spTree>
+      <p:nvGrpSpPr>
+        <p:cNvPr id="1" name=""/>
+        <p:cNvGrpSpPr/>
+        <p:nvPr/>
+      </p:nvGrpSpPr>
+      <p:grpSpPr>
+        <a:xfrm>
+          <a:off x="0" y="0"/>
+          <a:ext cx="0" cy="0"/>
+          <a:chOff x="0" y="0"/>
+          <a:chExt cx="0" cy="0"/>
+        </a:xfrm>
+      </p:grpSpPr>
+      <p:sp>
+        <p:nvSpPr>
+          <p:cNvPr id="2" name="Title 1">
+            <a:extLst>
+              <a:ext uri="{FF2B5EF4-FFF2-40B4-BE49-F238E27FC236}">
+                <a16:creationId xmlns:a16="http://schemas.microsoft.com/office/drawing/2014/main" id="{8C2C414A-FA3B-40A4-507D-8443A4AE049A}"/>
+              </a:ext>
+            </a:extLst>
+          </p:cNvPr>
+          <p:cNvSpPr>
+            <a:spLocks noGrp="1"/>
+          </p:cNvSpPr>
+          <p:nvPr>
+            <p:ph type="ctrTitle"/>
+          </p:nvPr>
+        </p:nvSpPr>
+        <p:spPr>
+          <a:xfrm>
+            <a:off x="1527048" y="128337"/>
+            <a:ext cx="4169664" cy="753979"/>
+          </a:xfrm>
+        </p:spPr>
+        <p:txBody>
+          <a:bodyPr/>
+          <a:lstStyle/>
+          <a:p>
+            <a:r>
+              <a:rPr lang="en-US" sz="3200" dirty="0"/>
+              <a:t>Conclusion</a:t>
+            </a:r>
+          </a:p>
+        </p:txBody>
+      </p:sp>
+      <p:sp>
+        <p:nvSpPr>
+          <p:cNvPr id="3" name="Subtitle 2">
+            <a:extLst>
+              <a:ext uri="{FF2B5EF4-FFF2-40B4-BE49-F238E27FC236}">
+                <a16:creationId xmlns:a16="http://schemas.microsoft.com/office/drawing/2014/main" id="{A16D355B-07C2-96AE-2E0D-F20C01CD0D18}"/>
+              </a:ext>
+            </a:extLst>
+          </p:cNvPr>
+          <p:cNvSpPr>
+            <a:spLocks noGrp="1"/>
+          </p:cNvSpPr>
+          <p:nvPr>
+            <p:ph type="subTitle" idx="1"/>
+          </p:nvPr>
+        </p:nvSpPr>
+        <p:spPr>
+          <a:xfrm>
+            <a:off x="497305" y="882315"/>
+            <a:ext cx="6914147" cy="5847347"/>
+          </a:xfrm>
+        </p:spPr>
+        <p:txBody>
+          <a:bodyPr/>
+          <a:lstStyle/>
+          <a:p>
+            <a:pPr algn="just"/>
+            <a:r>
+              <a:rPr lang="en-US" sz="2000" dirty="0"/>
+              <a:t>In conclusion, our wine classification project has provided valuable insights into the effectiveness of different classification algorithms – logistic regression, decision trees, have gained a comprehensive understanding of each model's strengths and limitations. While logistic regression offers simplicity and interpretability, decision trees excel in providing insights into feature importance and decision-making processes. On the other hand, SVMs demonstrate robust classification capabilities in high-dimensional feature spaces. Comparative analysis of evaluation metrics, including accuracy, precision, recall, and F1 score, has enabled us to make informed decisions regarding model selection and performance. Overall, this project underscores the importance of employing diverse machine learning techniques and thorough evaluation methodologies to address complex classification tasks effectively. Future work may involve exploring ensemble methods and advanced techniques to further improve the accuracy and robustness of wine classification models.</a:t>
+            </a:r>
+          </a:p>
+        </p:txBody>
+      </p:sp>
+    </p:spTree>
+    <p:extLst>
+      <p:ext uri="{BB962C8B-B14F-4D97-AF65-F5344CB8AC3E}">
+        <p14:creationId xmlns:p14="http://schemas.microsoft.com/office/powerpoint/2010/main" val="2709326988"/>
+      </p:ext>
+    </p:extLst>
+  </p:cSld>
+  <p:clrMapOvr>
+    <a:masterClrMapping/>
+  </p:clrMapOvr>
+</p:sld>
+</file>
+
+<file path=ppt/slides/slide42.xml><?xml version="1.0" encoding="utf-8"?>
+<p:sld xmlns:a="http://schemas.openxmlformats.org/drawingml/2006/main" xmlns:r="http://schemas.openxmlformats.org/officeDocument/2006/relationships" xmlns:p="http://schemas.openxmlformats.org/presentationml/2006/main">
+  <p:cSld>
+    <p:spTree>
+      <p:nvGrpSpPr>
+        <p:cNvPr id="1" name=""/>
+        <p:cNvGrpSpPr/>
+        <p:nvPr/>
+      </p:nvGrpSpPr>
+      <p:grpSpPr>
+        <a:xfrm>
+          <a:off x="0" y="0"/>
+          <a:ext cx="0" cy="0"/>
+          <a:chOff x="0" y="0"/>
+          <a:chExt cx="0" cy="0"/>
+        </a:xfrm>
+      </p:grpSpPr>
+      <p:sp>
+        <p:nvSpPr>
+          <p:cNvPr id="2" name="Title 1">
+            <a:extLst>
+              <a:ext uri="{FF2B5EF4-FFF2-40B4-BE49-F238E27FC236}">
                 <a16:creationId xmlns:a16="http://schemas.microsoft.com/office/drawing/2014/main" id="{2016BDFB-890E-2C19-A226-9E2BE5547A19}"/>
               </a:ext>
             </a:extLst>
@@ -27018,7 +29018,7 @@
             <a:fld id="{48F63A3B-78C7-47BE-AE5E-E10140E04643}" type="slidenum">
               <a:rPr lang="en-US" smtClean="0"/>
               <a:pPr/>
-              <a:t>31</a:t>
+              <a:t>42</a:t>
             </a:fld>
             <a:endParaRPr lang="en-US" dirty="0"/>
           </a:p>
@@ -27364,7 +29364,7 @@
 </p:sld>
 </file>
 
-<file path=ppt/slides/slide32.xml><?xml version="1.0" encoding="utf-8"?>
+<file path=ppt/slides/slide43.xml><?xml version="1.0" encoding="utf-8"?>
 <p:sld xmlns:a="http://schemas.openxmlformats.org/drawingml/2006/main" xmlns:r="http://schemas.openxmlformats.org/officeDocument/2006/relationships" xmlns:p="http://schemas.openxmlformats.org/presentationml/2006/main">
   <p:cSld>
     <p:spTree>
@@ -27457,160 +29457,6 @@
     <p:extLst>
       <p:ext uri="{BB962C8B-B14F-4D97-AF65-F5344CB8AC3E}">
         <p14:creationId xmlns:p14="http://schemas.microsoft.com/office/powerpoint/2010/main" val="1849291005"/>
-      </p:ext>
-    </p:extLst>
-  </p:cSld>
-  <p:clrMapOvr>
-    <a:masterClrMapping/>
-  </p:clrMapOvr>
-</p:sld>
-</file>
-
-<file path=ppt/slides/slide4.xml><?xml version="1.0" encoding="utf-8"?>
-<p:sld xmlns:a="http://schemas.openxmlformats.org/drawingml/2006/main" xmlns:r="http://schemas.openxmlformats.org/officeDocument/2006/relationships" xmlns:p="http://schemas.openxmlformats.org/presentationml/2006/main">
-  <p:cSld>
-    <p:spTree>
-      <p:nvGrpSpPr>
-        <p:cNvPr id="1" name=""/>
-        <p:cNvGrpSpPr/>
-        <p:nvPr/>
-      </p:nvGrpSpPr>
-      <p:grpSpPr>
-        <a:xfrm>
-          <a:off x="0" y="0"/>
-          <a:ext cx="0" cy="0"/>
-          <a:chOff x="0" y="0"/>
-          <a:chExt cx="0" cy="0"/>
-        </a:xfrm>
-      </p:grpSpPr>
-      <p:sp>
-        <p:nvSpPr>
-          <p:cNvPr id="2" name="Title 1">
-            <a:extLst>
-              <a:ext uri="{FF2B5EF4-FFF2-40B4-BE49-F238E27FC236}">
-                <a16:creationId xmlns:a16="http://schemas.microsoft.com/office/drawing/2014/main" id="{42204F13-2141-DD4C-C9E9-58EB1DAFED1E}"/>
-              </a:ext>
-            </a:extLst>
-          </p:cNvPr>
-          <p:cNvSpPr>
-            <a:spLocks noGrp="1"/>
-          </p:cNvSpPr>
-          <p:nvPr>
-            <p:ph type="title"/>
-          </p:nvPr>
-        </p:nvSpPr>
-        <p:spPr>
-          <a:xfrm>
-            <a:off x="4224528" y="934720"/>
-            <a:ext cx="6766560" cy="634773"/>
-          </a:xfrm>
-        </p:spPr>
-        <p:txBody>
-          <a:bodyPr/>
-          <a:lstStyle/>
-          <a:p>
-            <a:r>
-              <a:rPr lang="en-US" sz="2800" dirty="0"/>
-              <a:t>Dataset exploration</a:t>
-            </a:r>
-          </a:p>
-        </p:txBody>
-      </p:sp>
-      <p:sp>
-        <p:nvSpPr>
-          <p:cNvPr id="3" name="Content Placeholder 2">
-            <a:extLst>
-              <a:ext uri="{FF2B5EF4-FFF2-40B4-BE49-F238E27FC236}">
-                <a16:creationId xmlns:a16="http://schemas.microsoft.com/office/drawing/2014/main" id="{58F7ED3D-AE9D-2FB6-C69D-DC61063C9924}"/>
-              </a:ext>
-            </a:extLst>
-          </p:cNvPr>
-          <p:cNvSpPr>
-            <a:spLocks noGrp="1"/>
-          </p:cNvSpPr>
-          <p:nvPr>
-            <p:ph idx="1"/>
-          </p:nvPr>
-        </p:nvSpPr>
-        <p:spPr>
-          <a:xfrm>
-            <a:off x="4224527" y="1435101"/>
-            <a:ext cx="7444309" cy="5252302"/>
-          </a:xfrm>
-        </p:spPr>
-        <p:txBody>
-          <a:bodyPr/>
-          <a:lstStyle/>
-          <a:p>
-            <a:pPr algn="just"/>
-            <a:r>
-              <a:rPr lang="en-US" sz="2000" dirty="0"/>
-              <a:t>The dataset used in this project, known as the Wine Recognition Dataset, contains 178 wine samples with 13 features representing different chemical properties. Each sample belongs to one of three classes of wine. During dataset exploration, we load the dataset using scikit-learn and analyze its structure and content. We investigate the characteristics of the features included in the dataset, such as alcohol content, acidity levels, and phenolic content. Additionally, we examine the distribution of the target labels across the dataset to ensure a balanced representation of each wine class. Exploring the dataset helps us gain a comprehensive understanding of the data we are working with, facilitating informed decisions regarding data preprocessing, model selection, and evaluation metrics for our wine classification task. This initial exploration lays the groundwork for subsequent data preprocessing and model development stages of the projects.</a:t>
-            </a:r>
-          </a:p>
-        </p:txBody>
-      </p:sp>
-      <p:sp>
-        <p:nvSpPr>
-          <p:cNvPr id="4" name="Footer Placeholder 3">
-            <a:extLst>
-              <a:ext uri="{FF2B5EF4-FFF2-40B4-BE49-F238E27FC236}">
-                <a16:creationId xmlns:a16="http://schemas.microsoft.com/office/drawing/2014/main" id="{F8E2D31E-808D-9658-A2F9-E414758416C1}"/>
-              </a:ext>
-            </a:extLst>
-          </p:cNvPr>
-          <p:cNvSpPr>
-            <a:spLocks noGrp="1"/>
-          </p:cNvSpPr>
-          <p:nvPr>
-            <p:ph type="ftr" sz="quarter" idx="11"/>
-          </p:nvPr>
-        </p:nvSpPr>
-        <p:spPr/>
-        <p:txBody>
-          <a:bodyPr/>
-          <a:lstStyle/>
-          <a:p>
-            <a:r>
-              <a:rPr lang="en-US" dirty="0"/>
-              <a:t>Wine classification project</a:t>
-            </a:r>
-          </a:p>
-        </p:txBody>
-      </p:sp>
-      <p:sp>
-        <p:nvSpPr>
-          <p:cNvPr id="5" name="Slide Number Placeholder 4">
-            <a:extLst>
-              <a:ext uri="{FF2B5EF4-FFF2-40B4-BE49-F238E27FC236}">
-                <a16:creationId xmlns:a16="http://schemas.microsoft.com/office/drawing/2014/main" id="{8823E72D-EAE0-0EDC-6EB2-F7420511887C}"/>
-              </a:ext>
-            </a:extLst>
-          </p:cNvPr>
-          <p:cNvSpPr>
-            <a:spLocks noGrp="1"/>
-          </p:cNvSpPr>
-          <p:nvPr>
-            <p:ph type="sldNum" sz="quarter" idx="12"/>
-          </p:nvPr>
-        </p:nvSpPr>
-        <p:spPr/>
-        <p:txBody>
-          <a:bodyPr/>
-          <a:lstStyle/>
-          <a:p>
-            <a:fld id="{48F63A3B-78C7-47BE-AE5E-E10140E04643}" type="slidenum">
-              <a:rPr lang="en-US" smtClean="0"/>
-              <a:t>4</a:t>
-            </a:fld>
-            <a:endParaRPr lang="en-US" dirty="0"/>
-          </a:p>
-        </p:txBody>
-      </p:sp>
-    </p:spTree>
-    <p:extLst>
-      <p:ext uri="{BB962C8B-B14F-4D97-AF65-F5344CB8AC3E}">
-        <p14:creationId xmlns:p14="http://schemas.microsoft.com/office/powerpoint/2010/main" val="3686359092"/>
       </p:ext>
     </p:extLst>
   </p:cSld>
@@ -29177,15 +31023,6 @@
 </file>
 
 <file path=customXml/item2.xml><?xml version="1.0" encoding="utf-8"?>
-<?mso-contentType ?>
-<FormTemplates xmlns="http://schemas.microsoft.com/sharepoint/v3/contenttype/forms">
-  <Display>DocumentLibraryForm</Display>
-  <Edit>DocumentLibraryForm</Edit>
-  <New>DocumentLibraryForm</New>
-</FormTemplates>
-</file>
-
-<file path=customXml/item3.xml><?xml version="1.0" encoding="utf-8"?>
 <ct:contentTypeSchema xmlns:ct="http://schemas.microsoft.com/office/2006/metadata/contentType" xmlns:ma="http://schemas.microsoft.com/office/2006/metadata/properties/metaAttributes" ct:_="" ma:_="" ma:contentTypeName="Document" ma:contentTypeID="0x01010079F111ED35F8CC479449609E8A0923A6" ma:contentTypeVersion="28" ma:contentTypeDescription="Create a new document." ma:contentTypeScope="" ma:versionID="60f5a4f2d2b0abadcf532d48ebf9cb71">
   <xsd:schema xmlns:xsd="http://www.w3.org/2001/XMLSchema" xmlns:xs="http://www.w3.org/2001/XMLSchema" xmlns:p="http://schemas.microsoft.com/office/2006/metadata/properties" xmlns:ns1="http://schemas.microsoft.com/sharepoint/v3" xmlns:ns2="71af3243-3dd4-4a8d-8c0d-dd76da1f02a5" xmlns:ns3="16c05727-aa75-4e4a-9b5f-8a80a1165891" xmlns:ns4="230e9df3-be65-4c73-a93b-d1236ebd677e" targetNamespace="http://schemas.microsoft.com/office/2006/metadata/properties" ma:root="true" ma:fieldsID="7dd78129e6a1811f84807ad11c651531" ns1:_="" ns2:_="" ns3:_="" ns4:_="">
     <xsd:import namespace="http://schemas.microsoft.com/sharepoint/v3"/>
@@ -29497,6 +31334,15 @@
 </ct:contentTypeSchema>
 </file>
 
+<file path=customXml/item3.xml><?xml version="1.0" encoding="utf-8"?>
+<?mso-contentType ?>
+<FormTemplates xmlns="http://schemas.microsoft.com/sharepoint/v3/contenttype/forms">
+  <Display>DocumentLibraryForm</Display>
+  <Edit>DocumentLibraryForm</Edit>
+  <New>DocumentLibraryForm</New>
+</FormTemplates>
+</file>
+
 <file path=customXml/itemProps1.xml><?xml version="1.0" encoding="utf-8"?>
 <ds:datastoreItem xmlns:ds="http://schemas.openxmlformats.org/officeDocument/2006/customXml" ds:itemID="{D235FEF8-1733-4347-95CE-3BB62B2B8DD7}">
   <ds:schemaRefs>
@@ -29510,14 +31356,6 @@
 </file>
 
 <file path=customXml/itemProps2.xml><?xml version="1.0" encoding="utf-8"?>
-<ds:datastoreItem xmlns:ds="http://schemas.openxmlformats.org/officeDocument/2006/customXml" ds:itemID="{69060146-7700-4F6C-986B-89E3839BD4ED}">
-  <ds:schemaRefs>
-    <ds:schemaRef ds:uri="http://schemas.microsoft.com/sharepoint/v3/contenttype/forms"/>
-  </ds:schemaRefs>
-</ds:datastoreItem>
-</file>
-
-<file path=customXml/itemProps3.xml><?xml version="1.0" encoding="utf-8"?>
 <ds:datastoreItem xmlns:ds="http://schemas.openxmlformats.org/officeDocument/2006/customXml" ds:itemID="{08FC98CF-E78A-425D-90FD-55D1C468A34F}">
   <ds:schemaRefs>
     <ds:schemaRef ds:uri="http://schemas.microsoft.com/office/2006/metadata/contentType"/>
@@ -29538,6 +31376,14 @@
 </ds:datastoreItem>
 </file>
 
+<file path=customXml/itemProps3.xml><?xml version="1.0" encoding="utf-8"?>
+<ds:datastoreItem xmlns:ds="http://schemas.openxmlformats.org/officeDocument/2006/customXml" ds:itemID="{69060146-7700-4F6C-986B-89E3839BD4ED}">
+  <ds:schemaRefs>
+    <ds:schemaRef ds:uri="http://schemas.microsoft.com/sharepoint/v3/contenttype/forms"/>
+  </ds:schemaRefs>
+</ds:datastoreItem>
+</file>
+
 <file path=docMetadata/LabelInfo.xml><?xml version="1.0" encoding="utf-8"?>
 <clbl:labelList xmlns:clbl="http://schemas.microsoft.com/office/2020/mipLabelMetadata"/>
 </file>